--- a/docs/ER-DIAGRAM.pptx
+++ b/docs/ER-DIAGRAM.pptx
@@ -155,10 +155,9 @@
           </a:lstStyle>
           <a:p>
             <a:r>
-              <a:rPr lang="en-US" smtClean="0"/>
+              <a:rPr lang="en-US"/>
               <a:t>Click to edit Master title style</a:t>
             </a:r>
-            <a:endParaRPr lang="en-US"/>
           </a:p>
         </p:txBody>
       </p:sp>
@@ -220,10 +219,9 @@
           </a:lstStyle>
           <a:p>
             <a:r>
-              <a:rPr lang="en-US" smtClean="0"/>
+              <a:rPr lang="en-US"/>
               <a:t>Click to edit Master subtitle style</a:t>
             </a:r>
-            <a:endParaRPr lang="en-US"/>
           </a:p>
         </p:txBody>
       </p:sp>
@@ -244,7 +242,7 @@
           <a:p>
             <a:fld id="{28BE630F-C39C-4DB9-8258-0B48CA067079}" type="datetimeFigureOut">
               <a:rPr lang="en-US" smtClean="0"/>
-              <a:t>11/25/2021</a:t>
+              <a:t>11/26/2021</a:t>
             </a:fld>
             <a:endParaRPr lang="en-US"/>
           </a:p>
@@ -338,10 +336,9 @@
           <a:lstStyle/>
           <a:p>
             <a:r>
-              <a:rPr lang="en-US" smtClean="0"/>
+              <a:rPr lang="en-US"/>
               <a:t>Click to edit Master title style</a:t>
             </a:r>
-            <a:endParaRPr lang="en-US"/>
           </a:p>
         </p:txBody>
       </p:sp>
@@ -362,38 +359,37 @@
           <a:p>
             <a:pPr lvl="0"/>
             <a:r>
-              <a:rPr lang="en-US" smtClean="0"/>
+              <a:rPr lang="en-US"/>
               <a:t>Click to edit Master text styles</a:t>
             </a:r>
           </a:p>
           <a:p>
             <a:pPr lvl="1"/>
             <a:r>
-              <a:rPr lang="en-US" smtClean="0"/>
+              <a:rPr lang="en-US"/>
               <a:t>Second level</a:t>
             </a:r>
           </a:p>
           <a:p>
             <a:pPr lvl="2"/>
             <a:r>
-              <a:rPr lang="en-US" smtClean="0"/>
+              <a:rPr lang="en-US"/>
               <a:t>Third level</a:t>
             </a:r>
           </a:p>
           <a:p>
             <a:pPr lvl="3"/>
             <a:r>
-              <a:rPr lang="en-US" smtClean="0"/>
+              <a:rPr lang="en-US"/>
               <a:t>Fourth level</a:t>
             </a:r>
           </a:p>
           <a:p>
             <a:pPr lvl="4"/>
             <a:r>
-              <a:rPr lang="en-US" smtClean="0"/>
+              <a:rPr lang="en-US"/>
               <a:t>Fifth level</a:t>
             </a:r>
-            <a:endParaRPr lang="en-US"/>
           </a:p>
         </p:txBody>
       </p:sp>
@@ -414,7 +410,7 @@
           <a:p>
             <a:fld id="{28BE630F-C39C-4DB9-8258-0B48CA067079}" type="datetimeFigureOut">
               <a:rPr lang="en-US" smtClean="0"/>
-              <a:t>11/25/2021</a:t>
+              <a:t>11/26/2021</a:t>
             </a:fld>
             <a:endParaRPr lang="en-US"/>
           </a:p>
@@ -513,10 +509,9 @@
           <a:lstStyle/>
           <a:p>
             <a:r>
-              <a:rPr lang="en-US" smtClean="0"/>
+              <a:rPr lang="en-US"/>
               <a:t>Click to edit Master title style</a:t>
             </a:r>
-            <a:endParaRPr lang="en-US"/>
           </a:p>
         </p:txBody>
       </p:sp>
@@ -542,38 +537,37 @@
           <a:p>
             <a:pPr lvl="0"/>
             <a:r>
-              <a:rPr lang="en-US" smtClean="0"/>
+              <a:rPr lang="en-US"/>
               <a:t>Click to edit Master text styles</a:t>
             </a:r>
           </a:p>
           <a:p>
             <a:pPr lvl="1"/>
             <a:r>
-              <a:rPr lang="en-US" smtClean="0"/>
+              <a:rPr lang="en-US"/>
               <a:t>Second level</a:t>
             </a:r>
           </a:p>
           <a:p>
             <a:pPr lvl="2"/>
             <a:r>
-              <a:rPr lang="en-US" smtClean="0"/>
+              <a:rPr lang="en-US"/>
               <a:t>Third level</a:t>
             </a:r>
           </a:p>
           <a:p>
             <a:pPr lvl="3"/>
             <a:r>
-              <a:rPr lang="en-US" smtClean="0"/>
+              <a:rPr lang="en-US"/>
               <a:t>Fourth level</a:t>
             </a:r>
           </a:p>
           <a:p>
             <a:pPr lvl="4"/>
             <a:r>
-              <a:rPr lang="en-US" smtClean="0"/>
+              <a:rPr lang="en-US"/>
               <a:t>Fifth level</a:t>
             </a:r>
-            <a:endParaRPr lang="en-US"/>
           </a:p>
         </p:txBody>
       </p:sp>
@@ -594,7 +588,7 @@
           <a:p>
             <a:fld id="{28BE630F-C39C-4DB9-8258-0B48CA067079}" type="datetimeFigureOut">
               <a:rPr lang="en-US" smtClean="0"/>
-              <a:t>11/25/2021</a:t>
+              <a:t>11/26/2021</a:t>
             </a:fld>
             <a:endParaRPr lang="en-US"/>
           </a:p>
@@ -688,10 +682,9 @@
           <a:lstStyle/>
           <a:p>
             <a:r>
-              <a:rPr lang="en-US" smtClean="0"/>
+              <a:rPr lang="en-US"/>
               <a:t>Click to edit Master title style</a:t>
             </a:r>
-            <a:endParaRPr lang="en-US"/>
           </a:p>
         </p:txBody>
       </p:sp>
@@ -712,38 +705,37 @@
           <a:p>
             <a:pPr lvl="0"/>
             <a:r>
-              <a:rPr lang="en-US" smtClean="0"/>
+              <a:rPr lang="en-US"/>
               <a:t>Click to edit Master text styles</a:t>
             </a:r>
           </a:p>
           <a:p>
             <a:pPr lvl="1"/>
             <a:r>
-              <a:rPr lang="en-US" smtClean="0"/>
+              <a:rPr lang="en-US"/>
               <a:t>Second level</a:t>
             </a:r>
           </a:p>
           <a:p>
             <a:pPr lvl="2"/>
             <a:r>
-              <a:rPr lang="en-US" smtClean="0"/>
+              <a:rPr lang="en-US"/>
               <a:t>Third level</a:t>
             </a:r>
           </a:p>
           <a:p>
             <a:pPr lvl="3"/>
             <a:r>
-              <a:rPr lang="en-US" smtClean="0"/>
+              <a:rPr lang="en-US"/>
               <a:t>Fourth level</a:t>
             </a:r>
           </a:p>
           <a:p>
             <a:pPr lvl="4"/>
             <a:r>
-              <a:rPr lang="en-US" smtClean="0"/>
+              <a:rPr lang="en-US"/>
               <a:t>Fifth level</a:t>
             </a:r>
-            <a:endParaRPr lang="en-US"/>
           </a:p>
         </p:txBody>
       </p:sp>
@@ -764,7 +756,7 @@
           <a:p>
             <a:fld id="{28BE630F-C39C-4DB9-8258-0B48CA067079}" type="datetimeFigureOut">
               <a:rPr lang="en-US" smtClean="0"/>
-              <a:t>11/25/2021</a:t>
+              <a:t>11/26/2021</a:t>
             </a:fld>
             <a:endParaRPr lang="en-US"/>
           </a:p>
@@ -867,10 +859,9 @@
           </a:lstStyle>
           <a:p>
             <a:r>
-              <a:rPr lang="en-US" smtClean="0"/>
+              <a:rPr lang="en-US"/>
               <a:t>Click to edit Master title style</a:t>
             </a:r>
-            <a:endParaRPr lang="en-US"/>
           </a:p>
         </p:txBody>
       </p:sp>
@@ -987,7 +978,7 @@
           <a:p>
             <a:pPr lvl="0"/>
             <a:r>
-              <a:rPr lang="en-US" smtClean="0"/>
+              <a:rPr lang="en-US"/>
               <a:t>Click to edit Master text styles</a:t>
             </a:r>
           </a:p>
@@ -1010,7 +1001,7 @@
           <a:p>
             <a:fld id="{28BE630F-C39C-4DB9-8258-0B48CA067079}" type="datetimeFigureOut">
               <a:rPr lang="en-US" smtClean="0"/>
-              <a:t>11/25/2021</a:t>
+              <a:t>11/26/2021</a:t>
             </a:fld>
             <a:endParaRPr lang="en-US"/>
           </a:p>
@@ -1104,10 +1095,9 @@
           <a:lstStyle/>
           <a:p>
             <a:r>
-              <a:rPr lang="en-US" smtClean="0"/>
+              <a:rPr lang="en-US"/>
               <a:t>Click to edit Master title style</a:t>
             </a:r>
-            <a:endParaRPr lang="en-US"/>
           </a:p>
         </p:txBody>
       </p:sp>
@@ -1133,38 +1123,37 @@
           <a:p>
             <a:pPr lvl="0"/>
             <a:r>
-              <a:rPr lang="en-US" smtClean="0"/>
+              <a:rPr lang="en-US"/>
               <a:t>Click to edit Master text styles</a:t>
             </a:r>
           </a:p>
           <a:p>
             <a:pPr lvl="1"/>
             <a:r>
-              <a:rPr lang="en-US" smtClean="0"/>
+              <a:rPr lang="en-US"/>
               <a:t>Second level</a:t>
             </a:r>
           </a:p>
           <a:p>
             <a:pPr lvl="2"/>
             <a:r>
-              <a:rPr lang="en-US" smtClean="0"/>
+              <a:rPr lang="en-US"/>
               <a:t>Third level</a:t>
             </a:r>
           </a:p>
           <a:p>
             <a:pPr lvl="3"/>
             <a:r>
-              <a:rPr lang="en-US" smtClean="0"/>
+              <a:rPr lang="en-US"/>
               <a:t>Fourth level</a:t>
             </a:r>
           </a:p>
           <a:p>
             <a:pPr lvl="4"/>
             <a:r>
-              <a:rPr lang="en-US" smtClean="0"/>
+              <a:rPr lang="en-US"/>
               <a:t>Fifth level</a:t>
             </a:r>
-            <a:endParaRPr lang="en-US"/>
           </a:p>
         </p:txBody>
       </p:sp>
@@ -1190,38 +1179,37 @@
           <a:p>
             <a:pPr lvl="0"/>
             <a:r>
-              <a:rPr lang="en-US" smtClean="0"/>
+              <a:rPr lang="en-US"/>
               <a:t>Click to edit Master text styles</a:t>
             </a:r>
           </a:p>
           <a:p>
             <a:pPr lvl="1"/>
             <a:r>
-              <a:rPr lang="en-US" smtClean="0"/>
+              <a:rPr lang="en-US"/>
               <a:t>Second level</a:t>
             </a:r>
           </a:p>
           <a:p>
             <a:pPr lvl="2"/>
             <a:r>
-              <a:rPr lang="en-US" smtClean="0"/>
+              <a:rPr lang="en-US"/>
               <a:t>Third level</a:t>
             </a:r>
           </a:p>
           <a:p>
             <a:pPr lvl="3"/>
             <a:r>
-              <a:rPr lang="en-US" smtClean="0"/>
+              <a:rPr lang="en-US"/>
               <a:t>Fourth level</a:t>
             </a:r>
           </a:p>
           <a:p>
             <a:pPr lvl="4"/>
             <a:r>
-              <a:rPr lang="en-US" smtClean="0"/>
+              <a:rPr lang="en-US"/>
               <a:t>Fifth level</a:t>
             </a:r>
-            <a:endParaRPr lang="en-US"/>
           </a:p>
         </p:txBody>
       </p:sp>
@@ -1242,7 +1230,7 @@
           <a:p>
             <a:fld id="{28BE630F-C39C-4DB9-8258-0B48CA067079}" type="datetimeFigureOut">
               <a:rPr lang="en-US" smtClean="0"/>
-              <a:t>11/25/2021</a:t>
+              <a:t>11/26/2021</a:t>
             </a:fld>
             <a:endParaRPr lang="en-US"/>
           </a:p>
@@ -1341,10 +1329,9 @@
           <a:lstStyle/>
           <a:p>
             <a:r>
-              <a:rPr lang="en-US" smtClean="0"/>
+              <a:rPr lang="en-US"/>
               <a:t>Click to edit Master title style</a:t>
             </a:r>
-            <a:endParaRPr lang="en-US"/>
           </a:p>
         </p:txBody>
       </p:sp>
@@ -1407,7 +1394,7 @@
           <a:p>
             <a:pPr lvl="0"/>
             <a:r>
-              <a:rPr lang="en-US" smtClean="0"/>
+              <a:rPr lang="en-US"/>
               <a:t>Click to edit Master text styles</a:t>
             </a:r>
           </a:p>
@@ -1435,38 +1422,37 @@
           <a:p>
             <a:pPr lvl="0"/>
             <a:r>
-              <a:rPr lang="en-US" smtClean="0"/>
+              <a:rPr lang="en-US"/>
               <a:t>Click to edit Master text styles</a:t>
             </a:r>
           </a:p>
           <a:p>
             <a:pPr lvl="1"/>
             <a:r>
-              <a:rPr lang="en-US" smtClean="0"/>
+              <a:rPr lang="en-US"/>
               <a:t>Second level</a:t>
             </a:r>
           </a:p>
           <a:p>
             <a:pPr lvl="2"/>
             <a:r>
-              <a:rPr lang="en-US" smtClean="0"/>
+              <a:rPr lang="en-US"/>
               <a:t>Third level</a:t>
             </a:r>
           </a:p>
           <a:p>
             <a:pPr lvl="3"/>
             <a:r>
-              <a:rPr lang="en-US" smtClean="0"/>
+              <a:rPr lang="en-US"/>
               <a:t>Fourth level</a:t>
             </a:r>
           </a:p>
           <a:p>
             <a:pPr lvl="4"/>
             <a:r>
-              <a:rPr lang="en-US" smtClean="0"/>
+              <a:rPr lang="en-US"/>
               <a:t>Fifth level</a:t>
             </a:r>
-            <a:endParaRPr lang="en-US"/>
           </a:p>
         </p:txBody>
       </p:sp>
@@ -1529,7 +1515,7 @@
           <a:p>
             <a:pPr lvl="0"/>
             <a:r>
-              <a:rPr lang="en-US" smtClean="0"/>
+              <a:rPr lang="en-US"/>
               <a:t>Click to edit Master text styles</a:t>
             </a:r>
           </a:p>
@@ -1557,38 +1543,37 @@
           <a:p>
             <a:pPr lvl="0"/>
             <a:r>
-              <a:rPr lang="en-US" smtClean="0"/>
+              <a:rPr lang="en-US"/>
               <a:t>Click to edit Master text styles</a:t>
             </a:r>
           </a:p>
           <a:p>
             <a:pPr lvl="1"/>
             <a:r>
-              <a:rPr lang="en-US" smtClean="0"/>
+              <a:rPr lang="en-US"/>
               <a:t>Second level</a:t>
             </a:r>
           </a:p>
           <a:p>
             <a:pPr lvl="2"/>
             <a:r>
-              <a:rPr lang="en-US" smtClean="0"/>
+              <a:rPr lang="en-US"/>
               <a:t>Third level</a:t>
             </a:r>
           </a:p>
           <a:p>
             <a:pPr lvl="3"/>
             <a:r>
-              <a:rPr lang="en-US" smtClean="0"/>
+              <a:rPr lang="en-US"/>
               <a:t>Fourth level</a:t>
             </a:r>
           </a:p>
           <a:p>
             <a:pPr lvl="4"/>
             <a:r>
-              <a:rPr lang="en-US" smtClean="0"/>
+              <a:rPr lang="en-US"/>
               <a:t>Fifth level</a:t>
             </a:r>
-            <a:endParaRPr lang="en-US"/>
           </a:p>
         </p:txBody>
       </p:sp>
@@ -1609,7 +1594,7 @@
           <a:p>
             <a:fld id="{28BE630F-C39C-4DB9-8258-0B48CA067079}" type="datetimeFigureOut">
               <a:rPr lang="en-US" smtClean="0"/>
-              <a:t>11/25/2021</a:t>
+              <a:t>11/26/2021</a:t>
             </a:fld>
             <a:endParaRPr lang="en-US"/>
           </a:p>
@@ -1703,10 +1688,9 @@
           <a:lstStyle/>
           <a:p>
             <a:r>
-              <a:rPr lang="en-US" smtClean="0"/>
+              <a:rPr lang="en-US"/>
               <a:t>Click to edit Master title style</a:t>
             </a:r>
-            <a:endParaRPr lang="en-US"/>
           </a:p>
         </p:txBody>
       </p:sp>
@@ -1727,7 +1711,7 @@
           <a:p>
             <a:fld id="{28BE630F-C39C-4DB9-8258-0B48CA067079}" type="datetimeFigureOut">
               <a:rPr lang="en-US" smtClean="0"/>
-              <a:t>11/25/2021</a:t>
+              <a:t>11/26/2021</a:t>
             </a:fld>
             <a:endParaRPr lang="en-US"/>
           </a:p>
@@ -1822,7 +1806,7 @@
           <a:p>
             <a:fld id="{28BE630F-C39C-4DB9-8258-0B48CA067079}" type="datetimeFigureOut">
               <a:rPr lang="en-US" smtClean="0"/>
-              <a:t>11/25/2021</a:t>
+              <a:t>11/26/2021</a:t>
             </a:fld>
             <a:endParaRPr lang="en-US"/>
           </a:p>
@@ -1925,10 +1909,9 @@
           </a:lstStyle>
           <a:p>
             <a:r>
-              <a:rPr lang="en-US" smtClean="0"/>
+              <a:rPr lang="en-US"/>
               <a:t>Click to edit Master title style</a:t>
             </a:r>
-            <a:endParaRPr lang="en-US"/>
           </a:p>
         </p:txBody>
       </p:sp>
@@ -1982,38 +1965,37 @@
           <a:p>
             <a:pPr lvl="0"/>
             <a:r>
-              <a:rPr lang="en-US" smtClean="0"/>
+              <a:rPr lang="en-US"/>
               <a:t>Click to edit Master text styles</a:t>
             </a:r>
           </a:p>
           <a:p>
             <a:pPr lvl="1"/>
             <a:r>
-              <a:rPr lang="en-US" smtClean="0"/>
+              <a:rPr lang="en-US"/>
               <a:t>Second level</a:t>
             </a:r>
           </a:p>
           <a:p>
             <a:pPr lvl="2"/>
             <a:r>
-              <a:rPr lang="en-US" smtClean="0"/>
+              <a:rPr lang="en-US"/>
               <a:t>Third level</a:t>
             </a:r>
           </a:p>
           <a:p>
             <a:pPr lvl="3"/>
             <a:r>
-              <a:rPr lang="en-US" smtClean="0"/>
+              <a:rPr lang="en-US"/>
               <a:t>Fourth level</a:t>
             </a:r>
           </a:p>
           <a:p>
             <a:pPr lvl="4"/>
             <a:r>
-              <a:rPr lang="en-US" smtClean="0"/>
+              <a:rPr lang="en-US"/>
               <a:t>Fifth level</a:t>
             </a:r>
-            <a:endParaRPr lang="en-US"/>
           </a:p>
         </p:txBody>
       </p:sp>
@@ -2076,7 +2058,7 @@
           <a:p>
             <a:pPr lvl="0"/>
             <a:r>
-              <a:rPr lang="en-US" smtClean="0"/>
+              <a:rPr lang="en-US"/>
               <a:t>Click to edit Master text styles</a:t>
             </a:r>
           </a:p>
@@ -2099,7 +2081,7 @@
           <a:p>
             <a:fld id="{28BE630F-C39C-4DB9-8258-0B48CA067079}" type="datetimeFigureOut">
               <a:rPr lang="en-US" smtClean="0"/>
-              <a:t>11/25/2021</a:t>
+              <a:t>11/26/2021</a:t>
             </a:fld>
             <a:endParaRPr lang="en-US"/>
           </a:p>
@@ -2202,10 +2184,9 @@
           </a:lstStyle>
           <a:p>
             <a:r>
-              <a:rPr lang="en-US" smtClean="0"/>
+              <a:rPr lang="en-US"/>
               <a:t>Click to edit Master title style</a:t>
             </a:r>
-            <a:endParaRPr lang="en-US"/>
           </a:p>
         </p:txBody>
       </p:sp>
@@ -2329,7 +2310,7 @@
           <a:p>
             <a:pPr lvl="0"/>
             <a:r>
-              <a:rPr lang="en-US" smtClean="0"/>
+              <a:rPr lang="en-US"/>
               <a:t>Click to edit Master text styles</a:t>
             </a:r>
           </a:p>
@@ -2352,7 +2333,7 @@
           <a:p>
             <a:fld id="{28BE630F-C39C-4DB9-8258-0B48CA067079}" type="datetimeFigureOut">
               <a:rPr lang="en-US" smtClean="0"/>
-              <a:t>11/25/2021</a:t>
+              <a:t>11/26/2021</a:t>
             </a:fld>
             <a:endParaRPr lang="en-US"/>
           </a:p>
@@ -2461,10 +2442,9 @@
           <a:lstStyle/>
           <a:p>
             <a:r>
-              <a:rPr lang="en-US" smtClean="0"/>
+              <a:rPr lang="en-US"/>
               <a:t>Click to edit Master title style</a:t>
             </a:r>
-            <a:endParaRPr lang="en-US"/>
           </a:p>
         </p:txBody>
       </p:sp>
@@ -2495,38 +2475,37 @@
           <a:p>
             <a:pPr lvl="0"/>
             <a:r>
-              <a:rPr lang="en-US" smtClean="0"/>
+              <a:rPr lang="en-US"/>
               <a:t>Click to edit Master text styles</a:t>
             </a:r>
           </a:p>
           <a:p>
             <a:pPr lvl="1"/>
             <a:r>
-              <a:rPr lang="en-US" smtClean="0"/>
+              <a:rPr lang="en-US"/>
               <a:t>Second level</a:t>
             </a:r>
           </a:p>
           <a:p>
             <a:pPr lvl="2"/>
             <a:r>
-              <a:rPr lang="en-US" smtClean="0"/>
+              <a:rPr lang="en-US"/>
               <a:t>Third level</a:t>
             </a:r>
           </a:p>
           <a:p>
             <a:pPr lvl="3"/>
             <a:r>
-              <a:rPr lang="en-US" smtClean="0"/>
+              <a:rPr lang="en-US"/>
               <a:t>Fourth level</a:t>
             </a:r>
           </a:p>
           <a:p>
             <a:pPr lvl="4"/>
             <a:r>
-              <a:rPr lang="en-US" smtClean="0"/>
+              <a:rPr lang="en-US"/>
               <a:t>Fifth level</a:t>
             </a:r>
-            <a:endParaRPr lang="en-US"/>
           </a:p>
         </p:txBody>
       </p:sp>
@@ -2565,7 +2544,7 @@
           <a:p>
             <a:fld id="{28BE630F-C39C-4DB9-8258-0B48CA067079}" type="datetimeFigureOut">
               <a:rPr lang="en-US" smtClean="0"/>
-              <a:t>11/25/2021</a:t>
+              <a:t>11/26/2021</a:t>
             </a:fld>
             <a:endParaRPr lang="en-US"/>
           </a:p>
@@ -3004,12 +2983,8 @@
           </a:lstStyle>
           <a:p>
             <a:r>
-              <a:rPr lang="en-US" dirty="0" smtClean="0"/>
-              <a:t>ER DIAGRAMM </a:t>
-            </a:r>
-            <a:r>
               <a:rPr lang="en-US" dirty="0"/>
-              <a:t>TEMPLATE</a:t>
+              <a:t>ER DIAGRAMM TEMPLATE</a:t>
             </a:r>
           </a:p>
         </p:txBody>
@@ -3231,52 +3206,20 @@
       </p:grpSpPr>
       <p:sp>
         <p:nvSpPr>
-          <p:cNvPr id="51" name="Rectangle 50"/>
+          <p:cNvPr id="128" name="Rectangle 127">
+            <a:extLst>
+              <a:ext uri="{FF2B5EF4-FFF2-40B4-BE49-F238E27FC236}">
+                <a16:creationId xmlns:a16="http://schemas.microsoft.com/office/drawing/2014/main" id="{76A20559-2A4A-479B-93F9-4A319539F8D4}"/>
+              </a:ext>
+            </a:extLst>
+          </p:cNvPr>
           <p:cNvSpPr/>
           <p:nvPr/>
         </p:nvSpPr>
         <p:spPr>
           <a:xfrm>
-            <a:off x="635970" y="224804"/>
-            <a:ext cx="1803043" cy="2428643"/>
-          </a:xfrm>
-          <a:prstGeom prst="rect">
-            <a:avLst/>
-          </a:prstGeom>
-        </p:spPr>
-        <p:style>
-          <a:lnRef idx="2">
-            <a:schemeClr val="dk1"/>
-          </a:lnRef>
-          <a:fillRef idx="1">
-            <a:schemeClr val="lt1"/>
-          </a:fillRef>
-          <a:effectRef idx="0">
-            <a:schemeClr val="dk1"/>
-          </a:effectRef>
-          <a:fontRef idx="minor">
-            <a:schemeClr val="dk1"/>
-          </a:fontRef>
-        </p:style>
-        <p:txBody>
-          <a:bodyPr rtlCol="0" anchor="ctr"/>
-          <a:lstStyle/>
-          <a:p>
-            <a:pPr algn="ctr"/>
-            <a:endParaRPr lang="en-US"/>
-          </a:p>
-        </p:txBody>
-      </p:sp>
-      <p:sp>
-        <p:nvSpPr>
-          <p:cNvPr id="52" name="TextBox 51"/>
-          <p:cNvSpPr txBox="1"/>
-          <p:nvPr/>
-        </p:nvSpPr>
-        <p:spPr>
-          <a:xfrm>
-            <a:off x="1117343" y="314958"/>
-            <a:ext cx="633507" cy="369332"/>
+            <a:off x="3449682" y="436169"/>
+            <a:ext cx="5027595" cy="923330"/>
           </a:xfrm>
           <a:prstGeom prst="rect">
             <a:avLst/>
@@ -3284,380 +3227,355 @@
           <a:noFill/>
         </p:spPr>
         <p:txBody>
-          <a:bodyPr wrap="none" rtlCol="0">
+          <a:bodyPr wrap="none" lIns="91440" tIns="45720" rIns="91440" bIns="45720">
             <a:spAutoFit/>
           </a:bodyPr>
           <a:lstStyle/>
           <a:p>
-            <a:r>
-              <a:rPr lang="en-US" b="1" dirty="0" smtClean="0"/>
-              <a:t>class</a:t>
-            </a:r>
-            <a:endParaRPr lang="en-US" b="1" dirty="0"/>
-          </a:p>
-        </p:txBody>
-      </p:sp>
-      <p:sp>
-        <p:nvSpPr>
-          <p:cNvPr id="53" name="Rectangle 52"/>
-          <p:cNvSpPr/>
-          <p:nvPr/>
-        </p:nvSpPr>
-        <p:spPr>
-          <a:xfrm>
-            <a:off x="3301896" y="224804"/>
-            <a:ext cx="1803043" cy="2428643"/>
-          </a:xfrm>
-          <a:prstGeom prst="rect">
-            <a:avLst/>
-          </a:prstGeom>
-        </p:spPr>
-        <p:style>
-          <a:lnRef idx="2">
-            <a:schemeClr val="dk1"/>
-          </a:lnRef>
-          <a:fillRef idx="1">
-            <a:schemeClr val="lt1"/>
-          </a:fillRef>
-          <a:effectRef idx="0">
-            <a:schemeClr val="dk1"/>
-          </a:effectRef>
-          <a:fontRef idx="minor">
-            <a:schemeClr val="dk1"/>
-          </a:fontRef>
-        </p:style>
-        <p:txBody>
-          <a:bodyPr rtlCol="0" anchor="ctr"/>
-          <a:lstStyle/>
-          <a:p>
             <a:pPr algn="ctr"/>
-            <a:endParaRPr lang="en-US"/>
-          </a:p>
-        </p:txBody>
-      </p:sp>
-      <p:sp>
-        <p:nvSpPr>
-          <p:cNvPr id="54" name="TextBox 53"/>
-          <p:cNvSpPr txBox="1"/>
-          <p:nvPr/>
-        </p:nvSpPr>
-        <p:spPr>
-          <a:xfrm>
-            <a:off x="3783269" y="314958"/>
-            <a:ext cx="917367" cy="369332"/>
-          </a:xfrm>
-          <a:prstGeom prst="rect">
-            <a:avLst/>
-          </a:prstGeom>
-          <a:noFill/>
-        </p:spPr>
-        <p:txBody>
-          <a:bodyPr wrap="none" rtlCol="0">
-            <a:spAutoFit/>
-          </a:bodyPr>
-          <a:lstStyle/>
-          <a:p>
-            <a:r>
-              <a:rPr lang="en-US" b="1" dirty="0" smtClean="0"/>
-              <a:t>student</a:t>
-            </a:r>
-            <a:endParaRPr lang="en-US" b="1" dirty="0"/>
-          </a:p>
-        </p:txBody>
-      </p:sp>
-      <p:sp>
-        <p:nvSpPr>
-          <p:cNvPr id="55" name="Rectangle 54"/>
-          <p:cNvSpPr/>
-          <p:nvPr/>
-        </p:nvSpPr>
-        <p:spPr>
-          <a:xfrm>
-            <a:off x="5967822" y="224804"/>
-            <a:ext cx="1803043" cy="2428643"/>
-          </a:xfrm>
-          <a:prstGeom prst="rect">
-            <a:avLst/>
-          </a:prstGeom>
-        </p:spPr>
-        <p:style>
-          <a:lnRef idx="2">
-            <a:schemeClr val="dk1"/>
-          </a:lnRef>
-          <a:fillRef idx="1">
-            <a:schemeClr val="lt1"/>
-          </a:fillRef>
-          <a:effectRef idx="0">
-            <a:schemeClr val="dk1"/>
-          </a:effectRef>
-          <a:fontRef idx="minor">
-            <a:schemeClr val="dk1"/>
-          </a:fontRef>
-        </p:style>
-        <p:txBody>
-          <a:bodyPr rtlCol="0" anchor="ctr"/>
-          <a:lstStyle/>
-          <a:p>
-            <a:pPr algn="ctr"/>
-            <a:endParaRPr lang="en-US"/>
-          </a:p>
-        </p:txBody>
-      </p:sp>
-      <p:sp>
-        <p:nvSpPr>
-          <p:cNvPr id="56" name="TextBox 55"/>
-          <p:cNvSpPr txBox="1"/>
-          <p:nvPr/>
-        </p:nvSpPr>
-        <p:spPr>
-          <a:xfrm>
-            <a:off x="6209194" y="314959"/>
-            <a:ext cx="1320298" cy="369332"/>
-          </a:xfrm>
-          <a:prstGeom prst="rect">
-            <a:avLst/>
-          </a:prstGeom>
-          <a:noFill/>
-        </p:spPr>
-        <p:txBody>
-          <a:bodyPr wrap="none" rtlCol="0">
-            <a:spAutoFit/>
-          </a:bodyPr>
-          <a:lstStyle/>
-          <a:p>
-            <a:r>
-              <a:rPr lang="en-US" b="1" dirty="0" smtClean="0"/>
-              <a:t>exam_score</a:t>
-            </a:r>
-            <a:endParaRPr lang="en-US" b="1" dirty="0"/>
-          </a:p>
-        </p:txBody>
-      </p:sp>
-      <p:sp>
-        <p:nvSpPr>
-          <p:cNvPr id="57" name="Rectangle 56"/>
-          <p:cNvSpPr/>
-          <p:nvPr/>
-        </p:nvSpPr>
-        <p:spPr>
-          <a:xfrm>
-            <a:off x="9251935" y="224803"/>
-            <a:ext cx="1803043" cy="2428643"/>
-          </a:xfrm>
-          <a:prstGeom prst="rect">
-            <a:avLst/>
-          </a:prstGeom>
-        </p:spPr>
-        <p:style>
-          <a:lnRef idx="2">
-            <a:schemeClr val="dk1"/>
-          </a:lnRef>
-          <a:fillRef idx="1">
-            <a:schemeClr val="lt1"/>
-          </a:fillRef>
-          <a:effectRef idx="0">
-            <a:schemeClr val="dk1"/>
-          </a:effectRef>
-          <a:fontRef idx="minor">
-            <a:schemeClr val="dk1"/>
-          </a:fontRef>
-        </p:style>
-        <p:txBody>
-          <a:bodyPr rtlCol="0" anchor="ctr"/>
-          <a:lstStyle/>
-          <a:p>
-            <a:pPr algn="ctr"/>
-            <a:endParaRPr lang="en-US"/>
-          </a:p>
-        </p:txBody>
-      </p:sp>
-      <p:sp>
-        <p:nvSpPr>
-          <p:cNvPr id="58" name="TextBox 57"/>
-          <p:cNvSpPr txBox="1"/>
-          <p:nvPr/>
-        </p:nvSpPr>
-        <p:spPr>
-          <a:xfrm>
-            <a:off x="9493307" y="314958"/>
-            <a:ext cx="1243482" cy="369332"/>
-          </a:xfrm>
-          <a:prstGeom prst="rect">
-            <a:avLst/>
-          </a:prstGeom>
-          <a:noFill/>
-        </p:spPr>
-        <p:txBody>
-          <a:bodyPr wrap="none" rtlCol="0">
-            <a:spAutoFit/>
-          </a:bodyPr>
-          <a:lstStyle/>
-          <a:p>
-            <a:r>
-              <a:rPr lang="en-US" b="1" dirty="0" smtClean="0"/>
-              <a:t>exam_type</a:t>
-            </a:r>
-            <a:endParaRPr lang="en-US" b="1" dirty="0"/>
-          </a:p>
-        </p:txBody>
-      </p:sp>
-      <p:sp>
-        <p:nvSpPr>
-          <p:cNvPr id="59" name="Rectangle 58"/>
-          <p:cNvSpPr/>
-          <p:nvPr/>
-        </p:nvSpPr>
-        <p:spPr>
-          <a:xfrm>
-            <a:off x="5980354" y="4186801"/>
-            <a:ext cx="1803043" cy="2009105"/>
-          </a:xfrm>
-          <a:prstGeom prst="rect">
-            <a:avLst/>
-          </a:prstGeom>
-        </p:spPr>
-        <p:style>
-          <a:lnRef idx="2">
-            <a:schemeClr val="dk1"/>
-          </a:lnRef>
-          <a:fillRef idx="1">
-            <a:schemeClr val="lt1"/>
-          </a:fillRef>
-          <a:effectRef idx="0">
-            <a:schemeClr val="dk1"/>
-          </a:effectRef>
-          <a:fontRef idx="minor">
-            <a:schemeClr val="dk1"/>
-          </a:fontRef>
-        </p:style>
-        <p:txBody>
-          <a:bodyPr rtlCol="0" anchor="ctr"/>
-          <a:lstStyle/>
-          <a:p>
-            <a:pPr algn="ctr"/>
-            <a:endParaRPr lang="en-US"/>
-          </a:p>
-        </p:txBody>
-      </p:sp>
-      <p:sp>
-        <p:nvSpPr>
-          <p:cNvPr id="60" name="TextBox 59"/>
-          <p:cNvSpPr txBox="1"/>
-          <p:nvPr/>
-        </p:nvSpPr>
-        <p:spPr>
-          <a:xfrm>
-            <a:off x="6506612" y="4223154"/>
-            <a:ext cx="661720" cy="369332"/>
-          </a:xfrm>
-          <a:prstGeom prst="rect">
-            <a:avLst/>
-          </a:prstGeom>
-          <a:noFill/>
-        </p:spPr>
-        <p:txBody>
-          <a:bodyPr wrap="none" rtlCol="0">
-            <a:spAutoFit/>
-          </a:bodyPr>
-          <a:lstStyle/>
-          <a:p>
-            <a:r>
-              <a:rPr lang="en-US" b="1" dirty="0" smtClean="0"/>
-              <a:t>topic</a:t>
-            </a:r>
-            <a:endParaRPr lang="en-US" b="1" dirty="0"/>
-          </a:p>
-        </p:txBody>
-      </p:sp>
-      <p:sp>
-        <p:nvSpPr>
-          <p:cNvPr id="61" name="Rectangle 60"/>
-          <p:cNvSpPr/>
-          <p:nvPr/>
-        </p:nvSpPr>
-        <p:spPr>
-          <a:xfrm>
-            <a:off x="630766" y="4186801"/>
-            <a:ext cx="1803043" cy="2009105"/>
-          </a:xfrm>
-          <a:prstGeom prst="rect">
-            <a:avLst/>
-          </a:prstGeom>
-        </p:spPr>
-        <p:style>
-          <a:lnRef idx="2">
-            <a:schemeClr val="dk1"/>
-          </a:lnRef>
-          <a:fillRef idx="1">
-            <a:schemeClr val="lt1"/>
-          </a:fillRef>
-          <a:effectRef idx="0">
-            <a:schemeClr val="dk1"/>
-          </a:effectRef>
-          <a:fontRef idx="minor">
-            <a:schemeClr val="dk1"/>
-          </a:fontRef>
-        </p:style>
-        <p:txBody>
-          <a:bodyPr rtlCol="0" anchor="ctr"/>
-          <a:lstStyle/>
-          <a:p>
-            <a:pPr algn="ctr"/>
-            <a:endParaRPr lang="en-US"/>
-          </a:p>
-        </p:txBody>
-      </p:sp>
-      <p:sp>
-        <p:nvSpPr>
-          <p:cNvPr id="62" name="TextBox 61"/>
-          <p:cNvSpPr txBox="1"/>
-          <p:nvPr/>
-        </p:nvSpPr>
-        <p:spPr>
-          <a:xfrm>
-            <a:off x="1174014" y="4289834"/>
-            <a:ext cx="716543" cy="369332"/>
-          </a:xfrm>
-          <a:prstGeom prst="rect">
-            <a:avLst/>
-          </a:prstGeom>
-          <a:noFill/>
-        </p:spPr>
-        <p:txBody>
-          <a:bodyPr wrap="none" rtlCol="0">
-            <a:spAutoFit/>
-          </a:bodyPr>
-          <a:lstStyle/>
-          <a:p>
-            <a:r>
-              <a:rPr lang="en-US" b="1" dirty="0" smtClean="0"/>
-              <a:t>batch</a:t>
-            </a:r>
-            <a:endParaRPr lang="en-US" b="1" dirty="0"/>
-          </a:p>
-        </p:txBody>
-      </p:sp>
+            <a:r>
+              <a:rPr lang="en-US" sz="5400" dirty="0" err="1">
+                <a:ln w="0"/>
+                <a:effectLst>
+                  <a:outerShdw blurRad="38100" dist="19050" dir="2700000" algn="tl" rotWithShape="0">
+                    <a:schemeClr val="dk1">
+                      <a:alpha val="40000"/>
+                    </a:schemeClr>
+                  </a:outerShdw>
+                </a:effectLst>
+              </a:rPr>
+              <a:t>Datatase</a:t>
+            </a:r>
+            <a:r>
+              <a:rPr lang="en-US" sz="5400" dirty="0">
+                <a:ln w="0"/>
+                <a:effectLst>
+                  <a:outerShdw blurRad="38100" dist="19050" dir="2700000" algn="tl" rotWithShape="0">
+                    <a:schemeClr val="dk1">
+                      <a:alpha val="40000"/>
+                    </a:schemeClr>
+                  </a:outerShdw>
+                </a:effectLst>
+              </a:rPr>
+              <a:t> </a:t>
+            </a:r>
+            <a:r>
+              <a:rPr lang="en-US" sz="5400" dirty="0" err="1">
+                <a:ln w="0"/>
+                <a:effectLst>
+                  <a:outerShdw blurRad="38100" dist="19050" dir="2700000" algn="tl" rotWithShape="0">
+                    <a:schemeClr val="dk1">
+                      <a:alpha val="40000"/>
+                    </a:schemeClr>
+                  </a:outerShdw>
+                </a:effectLst>
+              </a:rPr>
+              <a:t>task_db</a:t>
+            </a:r>
+            <a:endParaRPr lang="en-US" sz="5400" b="0" cap="none" spc="0" dirty="0">
+              <a:ln w="0"/>
+              <a:solidFill>
+                <a:schemeClr val="tx1"/>
+              </a:solidFill>
+              <a:effectLst>
+                <a:outerShdw blurRad="38100" dist="19050" dir="2700000" algn="tl" rotWithShape="0">
+                  <a:schemeClr val="dk1">
+                    <a:alpha val="40000"/>
+                  </a:schemeClr>
+                </a:outerShdw>
+              </a:effectLst>
+            </a:endParaRPr>
+          </a:p>
+        </p:txBody>
+      </p:sp>
+      <p:graphicFrame>
+        <p:nvGraphicFramePr>
+          <p:cNvPr id="129" name="Table 5">
+            <a:extLst>
+              <a:ext uri="{FF2B5EF4-FFF2-40B4-BE49-F238E27FC236}">
+                <a16:creationId xmlns:a16="http://schemas.microsoft.com/office/drawing/2014/main" id="{7C78AFEC-FA44-40F6-AB34-809D89515D20}"/>
+              </a:ext>
+            </a:extLst>
+          </p:cNvPr>
+          <p:cNvGraphicFramePr>
+            <a:graphicFrameLocks noGrp="1"/>
+          </p:cNvGraphicFramePr>
+          <p:nvPr>
+            <p:extLst>
+              <p:ext uri="{D42A27DB-BD31-4B8C-83A1-F6EECF244321}">
+                <p14:modId xmlns:p14="http://schemas.microsoft.com/office/powerpoint/2010/main" val="2899693204"/>
+              </p:ext>
+            </p:extLst>
+          </p:nvPr>
+        </p:nvGraphicFramePr>
+        <p:xfrm>
+          <a:off x="627269" y="3038796"/>
+          <a:ext cx="2420730" cy="1559560"/>
+        </p:xfrm>
+        <a:graphic>
+          <a:graphicData uri="http://schemas.openxmlformats.org/drawingml/2006/table">
+            <a:tbl>
+              <a:tblPr firstRow="1" bandRow="1">
+                <a:tableStyleId>{5C22544A-7EE6-4342-B048-85BDC9FD1C3A}</a:tableStyleId>
+              </a:tblPr>
+              <a:tblGrid>
+                <a:gridCol w="2420730">
+                  <a:extLst>
+                    <a:ext uri="{9D8B030D-6E8A-4147-A177-3AD203B41FA5}">
+                      <a16:colId xmlns:a16="http://schemas.microsoft.com/office/drawing/2014/main" val="2561568118"/>
+                    </a:ext>
+                  </a:extLst>
+                </a:gridCol>
+              </a:tblGrid>
+              <a:tr h="370840">
+                <a:tc>
+                  <a:txBody>
+                    <a:bodyPr/>
+                    <a:lstStyle/>
+                    <a:p>
+                      <a:r>
+                        <a:rPr lang="en-US" dirty="0"/>
+                        <a:t>              user</a:t>
+                      </a:r>
+                    </a:p>
+                  </a:txBody>
+                  <a:tcPr/>
+                </a:tc>
+                <a:extLst>
+                  <a:ext uri="{0D108BD9-81ED-4DB2-BD59-A6C34878D82A}">
+                    <a16:rowId xmlns:a16="http://schemas.microsoft.com/office/drawing/2014/main" val="3858428543"/>
+                  </a:ext>
+                </a:extLst>
+              </a:tr>
+              <a:tr h="370840">
+                <a:tc>
+                  <a:txBody>
+                    <a:bodyPr/>
+                    <a:lstStyle/>
+                    <a:p>
+                      <a:pPr marL="285750" indent="-285750">
+                        <a:buFontTx/>
+                        <a:buChar char="-"/>
+                      </a:pPr>
+                      <a:r>
+                        <a:rPr lang="en-US" dirty="0"/>
+                        <a:t>Username</a:t>
+                      </a:r>
+                    </a:p>
+                    <a:p>
+                      <a:pPr marL="285750" indent="-285750">
+                        <a:buFontTx/>
+                        <a:buChar char="-"/>
+                      </a:pPr>
+                      <a:r>
+                        <a:rPr lang="en-US" dirty="0"/>
+                        <a:t>Password</a:t>
+                      </a:r>
+                    </a:p>
+                    <a:p>
+                      <a:pPr marL="285750" indent="-285750">
+                        <a:buFontTx/>
+                        <a:buChar char="-"/>
+                      </a:pPr>
+                      <a:r>
+                        <a:rPr lang="en-US" dirty="0"/>
+                        <a:t>Email</a:t>
+                      </a:r>
+                    </a:p>
+                    <a:p>
+                      <a:pPr marL="285750" indent="-285750">
+                        <a:buFontTx/>
+                        <a:buChar char="-"/>
+                      </a:pPr>
+                      <a:r>
+                        <a:rPr lang="en-US" dirty="0"/>
+                        <a:t>profile</a:t>
+                      </a:r>
+                    </a:p>
+                  </a:txBody>
+                  <a:tcPr/>
+                </a:tc>
+                <a:extLst>
+                  <a:ext uri="{0D108BD9-81ED-4DB2-BD59-A6C34878D82A}">
+                    <a16:rowId xmlns:a16="http://schemas.microsoft.com/office/drawing/2014/main" val="3315548974"/>
+                  </a:ext>
+                </a:extLst>
+              </a:tr>
+            </a:tbl>
+          </a:graphicData>
+        </a:graphic>
+      </p:graphicFrame>
+      <p:graphicFrame>
+        <p:nvGraphicFramePr>
+          <p:cNvPr id="130" name="Table 6">
+            <a:extLst>
+              <a:ext uri="{FF2B5EF4-FFF2-40B4-BE49-F238E27FC236}">
+                <a16:creationId xmlns:a16="http://schemas.microsoft.com/office/drawing/2014/main" id="{A6EC30F4-6897-4F5A-986A-E1C3F89FA6F2}"/>
+              </a:ext>
+            </a:extLst>
+          </p:cNvPr>
+          <p:cNvGraphicFramePr>
+            <a:graphicFrameLocks noGrp="1"/>
+          </p:cNvGraphicFramePr>
+          <p:nvPr>
+            <p:extLst>
+              <p:ext uri="{D42A27DB-BD31-4B8C-83A1-F6EECF244321}">
+                <p14:modId xmlns:p14="http://schemas.microsoft.com/office/powerpoint/2010/main" val="2885856496"/>
+              </p:ext>
+            </p:extLst>
+          </p:nvPr>
+        </p:nvGraphicFramePr>
+        <p:xfrm>
+          <a:off x="4479235" y="1581059"/>
+          <a:ext cx="3551583" cy="2382520"/>
+        </p:xfrm>
+        <a:graphic>
+          <a:graphicData uri="http://schemas.openxmlformats.org/drawingml/2006/table">
+            <a:tbl>
+              <a:tblPr firstRow="1" bandRow="1">
+                <a:tableStyleId>{5C22544A-7EE6-4342-B048-85BDC9FD1C3A}</a:tableStyleId>
+              </a:tblPr>
+              <a:tblGrid>
+                <a:gridCol w="3551583">
+                  <a:extLst>
+                    <a:ext uri="{9D8B030D-6E8A-4147-A177-3AD203B41FA5}">
+                      <a16:colId xmlns:a16="http://schemas.microsoft.com/office/drawing/2014/main" val="70990324"/>
+                    </a:ext>
+                  </a:extLst>
+                </a:gridCol>
+              </a:tblGrid>
+              <a:tr h="370840">
+                <a:tc>
+                  <a:txBody>
+                    <a:bodyPr/>
+                    <a:lstStyle/>
+                    <a:p>
+                      <a:pPr algn="ctr"/>
+                      <a:r>
+                        <a:rPr lang="en-US" dirty="0"/>
+                        <a:t> events</a:t>
+                      </a:r>
+                    </a:p>
+                  </a:txBody>
+                  <a:tcPr/>
+                </a:tc>
+                <a:extLst>
+                  <a:ext uri="{0D108BD9-81ED-4DB2-BD59-A6C34878D82A}">
+                    <a16:rowId xmlns:a16="http://schemas.microsoft.com/office/drawing/2014/main" val="1147794227"/>
+                  </a:ext>
+                </a:extLst>
+              </a:tr>
+              <a:tr h="370840">
+                <a:tc>
+                  <a:txBody>
+                    <a:bodyPr/>
+                    <a:lstStyle/>
+                    <a:p>
+                      <a:pPr marL="285750" indent="-285750">
+                        <a:buFontTx/>
+                        <a:buChar char="-"/>
+                      </a:pPr>
+                      <a:r>
+                        <a:rPr lang="en-US" dirty="0"/>
+                        <a:t>Title</a:t>
+                      </a:r>
+                    </a:p>
+                    <a:p>
+                      <a:pPr marL="285750" indent="-285750">
+                        <a:buFontTx/>
+                        <a:buChar char="-"/>
+                      </a:pPr>
+                      <a:r>
+                        <a:rPr lang="en-US" dirty="0"/>
+                        <a:t>category</a:t>
+                      </a:r>
+                    </a:p>
+                    <a:p>
+                      <a:pPr marL="285750" indent="-285750">
+                        <a:buFontTx/>
+                        <a:buChar char="-"/>
+                      </a:pPr>
+                      <a:r>
+                        <a:rPr lang="en-US" dirty="0"/>
+                        <a:t>Start date</a:t>
+                      </a:r>
+                    </a:p>
+                    <a:p>
+                      <a:pPr marL="285750" indent="-285750">
+                        <a:buFontTx/>
+                        <a:buChar char="-"/>
+                      </a:pPr>
+                      <a:r>
+                        <a:rPr lang="en-US" dirty="0"/>
+                        <a:t>End date</a:t>
+                      </a:r>
+                    </a:p>
+                    <a:p>
+                      <a:pPr marL="285750" indent="-285750">
+                        <a:buFontTx/>
+                        <a:buChar char="-"/>
+                      </a:pPr>
+                      <a:r>
+                        <a:rPr lang="en-US" dirty="0"/>
+                        <a:t>Description</a:t>
+                      </a:r>
+                    </a:p>
+                    <a:p>
+                      <a:pPr marL="285750" indent="-285750">
+                        <a:buFontTx/>
+                        <a:buChar char="-"/>
+                      </a:pPr>
+                      <a:r>
+                        <a:rPr lang="en-US" dirty="0"/>
+                        <a:t>City</a:t>
+                      </a:r>
+                    </a:p>
+                    <a:p>
+                      <a:pPr marL="285750" indent="-285750">
+                        <a:buFontTx/>
+                        <a:buChar char="-"/>
+                      </a:pPr>
+                      <a:r>
+                        <a:rPr lang="en-US" dirty="0" err="1"/>
+                        <a:t>userId</a:t>
+                      </a:r>
+                      <a:endParaRPr lang="en-US" dirty="0"/>
+                    </a:p>
+                  </a:txBody>
+                  <a:tcPr/>
+                </a:tc>
+                <a:extLst>
+                  <a:ext uri="{0D108BD9-81ED-4DB2-BD59-A6C34878D82A}">
+                    <a16:rowId xmlns:a16="http://schemas.microsoft.com/office/drawing/2014/main" val="3811960332"/>
+                  </a:ext>
+                </a:extLst>
+              </a:tr>
+            </a:tbl>
+          </a:graphicData>
+        </a:graphic>
+      </p:graphicFrame>
       <p:cxnSp>
         <p:nvCxnSpPr>
-          <p:cNvPr id="63" name="Straight Connector 62"/>
-          <p:cNvCxnSpPr>
-            <a:stCxn id="55" idx="3"/>
-            <a:endCxn id="57" idx="1"/>
-          </p:cNvCxnSpPr>
+          <p:cNvPr id="131" name="Straight Arrow Connector 130">
+            <a:extLst>
+              <a:ext uri="{FF2B5EF4-FFF2-40B4-BE49-F238E27FC236}">
+                <a16:creationId xmlns:a16="http://schemas.microsoft.com/office/drawing/2014/main" id="{CBACDC53-5DAE-4729-8D05-307E43F7AA10}"/>
+              </a:ext>
+            </a:extLst>
+          </p:cNvPr>
+          <p:cNvCxnSpPr/>
           <p:nvPr/>
         </p:nvCxnSpPr>
         <p:spPr>
           <a:xfrm flipV="1">
-            <a:off x="7770865" y="1439125"/>
-            <a:ext cx="1481070" cy="1"/>
+            <a:off x="3047999" y="2067339"/>
+            <a:ext cx="1431236" cy="1126435"/>
           </a:xfrm>
-          <a:prstGeom prst="line">
+          <a:prstGeom prst="straightConnector1">
             <a:avLst/>
           </a:prstGeom>
           <a:ln>
-            <a:solidFill>
-              <a:schemeClr val="tx1"/>
-            </a:solidFill>
+            <a:tailEnd type="triangle"/>
           </a:ln>
         </p:spPr>
         <p:style>
@@ -3675,27 +3593,184 @@
           </a:fontRef>
         </p:style>
       </p:cxnSp>
+      <p:sp>
+        <p:nvSpPr>
+          <p:cNvPr id="132" name="TextBox 131">
+            <a:extLst>
+              <a:ext uri="{FF2B5EF4-FFF2-40B4-BE49-F238E27FC236}">
+                <a16:creationId xmlns:a16="http://schemas.microsoft.com/office/drawing/2014/main" id="{28888D04-75E1-42D7-9DF8-68094C996FE1}"/>
+              </a:ext>
+            </a:extLst>
+          </p:cNvPr>
+          <p:cNvSpPr txBox="1"/>
+          <p:nvPr/>
+        </p:nvSpPr>
+        <p:spPr>
+          <a:xfrm>
+            <a:off x="2871307" y="2602945"/>
+            <a:ext cx="216450" cy="369332"/>
+          </a:xfrm>
+          <a:prstGeom prst="rect">
+            <a:avLst/>
+          </a:prstGeom>
+          <a:noFill/>
+        </p:spPr>
+        <p:txBody>
+          <a:bodyPr wrap="square" rtlCol="0">
+            <a:spAutoFit/>
+          </a:bodyPr>
+          <a:lstStyle/>
+          <a:p>
+            <a:r>
+              <a:rPr lang="en-US" dirty="0"/>
+              <a:t>1</a:t>
+            </a:r>
+          </a:p>
+        </p:txBody>
+      </p:sp>
+      <p:sp>
+        <p:nvSpPr>
+          <p:cNvPr id="133" name="TextBox 132">
+            <a:extLst>
+              <a:ext uri="{FF2B5EF4-FFF2-40B4-BE49-F238E27FC236}">
+                <a16:creationId xmlns:a16="http://schemas.microsoft.com/office/drawing/2014/main" id="{F670288F-0C10-4598-A5F1-11E81A0616A2}"/>
+              </a:ext>
+            </a:extLst>
+          </p:cNvPr>
+          <p:cNvSpPr txBox="1"/>
+          <p:nvPr/>
+        </p:nvSpPr>
+        <p:spPr>
+          <a:xfrm>
+            <a:off x="3922643" y="1934817"/>
+            <a:ext cx="304800" cy="369332"/>
+          </a:xfrm>
+          <a:prstGeom prst="rect">
+            <a:avLst/>
+          </a:prstGeom>
+          <a:noFill/>
+        </p:spPr>
+        <p:txBody>
+          <a:bodyPr wrap="square" rtlCol="0">
+            <a:spAutoFit/>
+          </a:bodyPr>
+          <a:lstStyle/>
+          <a:p>
+            <a:r>
+              <a:rPr lang="en-US" dirty="0"/>
+              <a:t>*</a:t>
+            </a:r>
+          </a:p>
+        </p:txBody>
+      </p:sp>
+      <p:graphicFrame>
+        <p:nvGraphicFramePr>
+          <p:cNvPr id="134" name="Table 11">
+            <a:extLst>
+              <a:ext uri="{FF2B5EF4-FFF2-40B4-BE49-F238E27FC236}">
+                <a16:creationId xmlns:a16="http://schemas.microsoft.com/office/drawing/2014/main" id="{F5C998A2-C19F-405F-BB9C-F3809ADA5E65}"/>
+              </a:ext>
+            </a:extLst>
+          </p:cNvPr>
+          <p:cNvGraphicFramePr>
+            <a:graphicFrameLocks noGrp="1"/>
+          </p:cNvGraphicFramePr>
+          <p:nvPr>
+            <p:extLst>
+              <p:ext uri="{D42A27DB-BD31-4B8C-83A1-F6EECF244321}">
+                <p14:modId xmlns:p14="http://schemas.microsoft.com/office/powerpoint/2010/main" val="1915057970"/>
+              </p:ext>
+            </p:extLst>
+          </p:nvPr>
+        </p:nvGraphicFramePr>
+        <p:xfrm>
+          <a:off x="6255026" y="4686557"/>
+          <a:ext cx="3366052" cy="741680"/>
+        </p:xfrm>
+        <a:graphic>
+          <a:graphicData uri="http://schemas.openxmlformats.org/drawingml/2006/table">
+            <a:tbl>
+              <a:tblPr firstRow="1" bandRow="1">
+                <a:tableStyleId>{5C22544A-7EE6-4342-B048-85BDC9FD1C3A}</a:tableStyleId>
+              </a:tblPr>
+              <a:tblGrid>
+                <a:gridCol w="3366052">
+                  <a:extLst>
+                    <a:ext uri="{9D8B030D-6E8A-4147-A177-3AD203B41FA5}">
+                      <a16:colId xmlns:a16="http://schemas.microsoft.com/office/drawing/2014/main" val="4125258254"/>
+                    </a:ext>
+                  </a:extLst>
+                </a:gridCol>
+              </a:tblGrid>
+              <a:tr h="370840">
+                <a:tc>
+                  <a:txBody>
+                    <a:bodyPr/>
+                    <a:lstStyle/>
+                    <a:p>
+                      <a:pPr algn="ctr"/>
+                      <a:r>
+                        <a:rPr lang="en-US" dirty="0"/>
+                        <a:t>category</a:t>
+                      </a:r>
+                    </a:p>
+                  </a:txBody>
+                  <a:tcPr/>
+                </a:tc>
+                <a:extLst>
+                  <a:ext uri="{0D108BD9-81ED-4DB2-BD59-A6C34878D82A}">
+                    <a16:rowId xmlns:a16="http://schemas.microsoft.com/office/drawing/2014/main" val="3704477378"/>
+                  </a:ext>
+                </a:extLst>
+              </a:tr>
+              <a:tr h="370840">
+                <a:tc>
+                  <a:txBody>
+                    <a:bodyPr/>
+                    <a:lstStyle/>
+                    <a:p>
+                      <a:r>
+                        <a:rPr lang="en-US" dirty="0"/>
+                        <a:t>- categoryname</a:t>
+                      </a:r>
+                    </a:p>
+                  </a:txBody>
+                  <a:tcPr/>
+                </a:tc>
+                <a:extLst>
+                  <a:ext uri="{0D108BD9-81ED-4DB2-BD59-A6C34878D82A}">
+                    <a16:rowId xmlns:a16="http://schemas.microsoft.com/office/drawing/2014/main" val="1628986516"/>
+                  </a:ext>
+                </a:extLst>
+              </a:tr>
+            </a:tbl>
+          </a:graphicData>
+        </a:graphic>
+      </p:graphicFrame>
       <p:cxnSp>
         <p:nvCxnSpPr>
-          <p:cNvPr id="64" name="Straight Connector 63"/>
+          <p:cNvPr id="135" name="Straight Arrow Connector 134">
+            <a:extLst>
+              <a:ext uri="{FF2B5EF4-FFF2-40B4-BE49-F238E27FC236}">
+                <a16:creationId xmlns:a16="http://schemas.microsoft.com/office/drawing/2014/main" id="{BDD129F4-8A68-4EB6-AC19-B810697E5C4E}"/>
+              </a:ext>
+            </a:extLst>
+          </p:cNvPr>
           <p:cNvCxnSpPr>
-            <a:stCxn id="53" idx="3"/>
-            <a:endCxn id="55" idx="1"/>
+            <a:cxnSpLocks/>
           </p:cNvCxnSpPr>
           <p:nvPr/>
         </p:nvCxnSpPr>
         <p:spPr>
           <a:xfrm>
-            <a:off x="5104939" y="1439126"/>
-            <a:ext cx="862883" cy="0"/>
+            <a:off x="7328452" y="3689259"/>
+            <a:ext cx="0" cy="997298"/>
           </a:xfrm>
-          <a:prstGeom prst="line">
+          <a:prstGeom prst="straightConnector1">
             <a:avLst/>
           </a:prstGeom>
           <a:ln>
-            <a:solidFill>
-              <a:schemeClr val="tx1"/>
-            </a:solidFill>
+            <a:tailEnd type="triangle"/>
           </a:ln>
         </p:spPr>
         <p:style>
@@ -3713,24 +3788,197 @@
           </a:fontRef>
         </p:style>
       </p:cxnSp>
+      <p:sp>
+        <p:nvSpPr>
+          <p:cNvPr id="136" name="TextBox 135">
+            <a:extLst>
+              <a:ext uri="{FF2B5EF4-FFF2-40B4-BE49-F238E27FC236}">
+                <a16:creationId xmlns:a16="http://schemas.microsoft.com/office/drawing/2014/main" id="{14A5BCF5-5624-424F-9BC6-F31A6EE1C941}"/>
+              </a:ext>
+            </a:extLst>
+          </p:cNvPr>
+          <p:cNvSpPr txBox="1"/>
+          <p:nvPr/>
+        </p:nvSpPr>
+        <p:spPr>
+          <a:xfrm>
+            <a:off x="7593496" y="3818576"/>
+            <a:ext cx="437318" cy="369332"/>
+          </a:xfrm>
+          <a:prstGeom prst="rect">
+            <a:avLst/>
+          </a:prstGeom>
+          <a:noFill/>
+        </p:spPr>
+        <p:txBody>
+          <a:bodyPr wrap="square" rtlCol="0">
+            <a:spAutoFit/>
+          </a:bodyPr>
+          <a:lstStyle/>
+          <a:p>
+            <a:r>
+              <a:rPr lang="en-US" dirty="0"/>
+              <a:t>1</a:t>
+            </a:r>
+          </a:p>
+        </p:txBody>
+      </p:sp>
+      <p:sp>
+        <p:nvSpPr>
+          <p:cNvPr id="137" name="TextBox 136">
+            <a:extLst>
+              <a:ext uri="{FF2B5EF4-FFF2-40B4-BE49-F238E27FC236}">
+                <a16:creationId xmlns:a16="http://schemas.microsoft.com/office/drawing/2014/main" id="{FCBE5CF3-4C37-4C1D-AFDB-001DD04599E6}"/>
+              </a:ext>
+            </a:extLst>
+          </p:cNvPr>
+          <p:cNvSpPr txBox="1"/>
+          <p:nvPr/>
+        </p:nvSpPr>
+        <p:spPr>
+          <a:xfrm>
+            <a:off x="7593496" y="4317225"/>
+            <a:ext cx="437317" cy="369332"/>
+          </a:xfrm>
+          <a:prstGeom prst="rect">
+            <a:avLst/>
+          </a:prstGeom>
+          <a:noFill/>
+        </p:spPr>
+        <p:txBody>
+          <a:bodyPr wrap="square" rtlCol="0">
+            <a:spAutoFit/>
+          </a:bodyPr>
+          <a:lstStyle/>
+          <a:p>
+            <a:r>
+              <a:rPr lang="en-US" dirty="0"/>
+              <a:t>1</a:t>
+            </a:r>
+          </a:p>
+        </p:txBody>
+      </p:sp>
+      <p:graphicFrame>
+        <p:nvGraphicFramePr>
+          <p:cNvPr id="138" name="Table 21">
+            <a:extLst>
+              <a:ext uri="{FF2B5EF4-FFF2-40B4-BE49-F238E27FC236}">
+                <a16:creationId xmlns:a16="http://schemas.microsoft.com/office/drawing/2014/main" id="{CD21FC29-00C3-40AB-B23E-93A154CD7886}"/>
+              </a:ext>
+            </a:extLst>
+          </p:cNvPr>
+          <p:cNvGraphicFramePr>
+            <a:graphicFrameLocks noGrp="1"/>
+          </p:cNvGraphicFramePr>
+          <p:nvPr>
+            <p:extLst>
+              <p:ext uri="{D42A27DB-BD31-4B8C-83A1-F6EECF244321}">
+                <p14:modId xmlns:p14="http://schemas.microsoft.com/office/powerpoint/2010/main" val="3199681366"/>
+              </p:ext>
+            </p:extLst>
+          </p:nvPr>
+        </p:nvGraphicFramePr>
+        <p:xfrm>
+          <a:off x="2341217" y="5680151"/>
+          <a:ext cx="2844800" cy="1010920"/>
+        </p:xfrm>
+        <a:graphic>
+          <a:graphicData uri="http://schemas.openxmlformats.org/drawingml/2006/table">
+            <a:tbl>
+              <a:tblPr firstRow="1" bandRow="1">
+                <a:tableStyleId>{5C22544A-7EE6-4342-B048-85BDC9FD1C3A}</a:tableStyleId>
+              </a:tblPr>
+              <a:tblGrid>
+                <a:gridCol w="2844800">
+                  <a:extLst>
+                    <a:ext uri="{9D8B030D-6E8A-4147-A177-3AD203B41FA5}">
+                      <a16:colId xmlns:a16="http://schemas.microsoft.com/office/drawing/2014/main" val="600274932"/>
+                    </a:ext>
+                  </a:extLst>
+                </a:gridCol>
+              </a:tblGrid>
+              <a:tr h="370840">
+                <a:tc>
+                  <a:txBody>
+                    <a:bodyPr/>
+                    <a:lstStyle/>
+                    <a:p>
+                      <a:pPr algn="ctr"/>
+                      <a:r>
+                        <a:rPr lang="en-US" dirty="0"/>
+                        <a:t>join</a:t>
+                      </a:r>
+                    </a:p>
+                  </a:txBody>
+                  <a:tcPr/>
+                </a:tc>
+                <a:extLst>
+                  <a:ext uri="{0D108BD9-81ED-4DB2-BD59-A6C34878D82A}">
+                    <a16:rowId xmlns:a16="http://schemas.microsoft.com/office/drawing/2014/main" val="1957141422"/>
+                  </a:ext>
+                </a:extLst>
+              </a:tr>
+              <a:tr h="370840">
+                <a:tc>
+                  <a:txBody>
+                    <a:bodyPr/>
+                    <a:lstStyle/>
+                    <a:p>
+                      <a:pPr marL="285750" indent="-285750">
+                        <a:buFontTx/>
+                        <a:buChar char="-"/>
+                      </a:pPr>
+                      <a:r>
+                        <a:rPr lang="en-US" dirty="0"/>
+                        <a:t>Amount</a:t>
+                      </a:r>
+                    </a:p>
+                    <a:p>
+                      <a:pPr marL="285750" indent="-285750">
+                        <a:buFontTx/>
+                        <a:buChar char="-"/>
+                      </a:pPr>
+                      <a:r>
+                        <a:rPr lang="en-US" dirty="0" err="1"/>
+                        <a:t>userId</a:t>
+                      </a:r>
+                      <a:endParaRPr lang="en-US" dirty="0"/>
+                    </a:p>
+                  </a:txBody>
+                  <a:tcPr/>
+                </a:tc>
+                <a:extLst>
+                  <a:ext uri="{0D108BD9-81ED-4DB2-BD59-A6C34878D82A}">
+                    <a16:rowId xmlns:a16="http://schemas.microsoft.com/office/drawing/2014/main" val="2170359374"/>
+                  </a:ext>
+                </a:extLst>
+              </a:tr>
+            </a:tbl>
+          </a:graphicData>
+        </a:graphic>
+      </p:graphicFrame>
       <p:cxnSp>
         <p:nvCxnSpPr>
-          <p:cNvPr id="65" name="Straight Connector 64"/>
+          <p:cNvPr id="139" name="Straight Arrow Connector 138">
+            <a:extLst>
+              <a:ext uri="{FF2B5EF4-FFF2-40B4-BE49-F238E27FC236}">
+                <a16:creationId xmlns:a16="http://schemas.microsoft.com/office/drawing/2014/main" id="{143DC10E-76E6-43B1-B416-B3493331A9D5}"/>
+              </a:ext>
+            </a:extLst>
+          </p:cNvPr>
           <p:cNvCxnSpPr/>
           <p:nvPr/>
         </p:nvCxnSpPr>
         <p:spPr>
           <a:xfrm>
-            <a:off x="2421277" y="1229355"/>
-            <a:ext cx="862883" cy="0"/>
+            <a:off x="2040835" y="4598356"/>
+            <a:ext cx="1046922" cy="1081795"/>
           </a:xfrm>
-          <a:prstGeom prst="line">
+          <a:prstGeom prst="straightConnector1">
             <a:avLst/>
           </a:prstGeom>
           <a:ln>
-            <a:solidFill>
-              <a:schemeClr val="tx1"/>
-            </a:solidFill>
+            <a:tailEnd type="triangle"/>
           </a:ln>
         </p:spPr>
         <p:style>
@@ -3748,298 +3996,22 @@
           </a:fontRef>
         </p:style>
       </p:cxnSp>
-      <p:cxnSp>
-        <p:nvCxnSpPr>
-          <p:cNvPr id="66" name="Straight Connector 65"/>
-          <p:cNvCxnSpPr>
-            <a:endCxn id="61" idx="0"/>
-          </p:cNvCxnSpPr>
+      <p:sp>
+        <p:nvSpPr>
+          <p:cNvPr id="140" name="TextBox 139">
+            <a:extLst>
+              <a:ext uri="{FF2B5EF4-FFF2-40B4-BE49-F238E27FC236}">
+                <a16:creationId xmlns:a16="http://schemas.microsoft.com/office/drawing/2014/main" id="{67AAB824-9630-43D7-8766-6F9E86C7E88D}"/>
+              </a:ext>
+            </a:extLst>
+          </p:cNvPr>
+          <p:cNvSpPr txBox="1"/>
           <p:nvPr/>
-        </p:nvCxnSpPr>
+        </p:nvSpPr>
         <p:spPr>
           <a:xfrm>
-            <a:off x="1532288" y="2656354"/>
-            <a:ext cx="0" cy="1530447"/>
-          </a:xfrm>
-          <a:prstGeom prst="line">
-            <a:avLst/>
-          </a:prstGeom>
-          <a:ln>
-            <a:solidFill>
-              <a:schemeClr val="tx1"/>
-            </a:solidFill>
-          </a:ln>
-        </p:spPr>
-        <p:style>
-          <a:lnRef idx="1">
-            <a:schemeClr val="accent1"/>
-          </a:lnRef>
-          <a:fillRef idx="0">
-            <a:schemeClr val="accent1"/>
-          </a:fillRef>
-          <a:effectRef idx="0">
-            <a:schemeClr val="accent1"/>
-          </a:effectRef>
-          <a:fontRef idx="minor">
-            <a:schemeClr val="tx1"/>
-          </a:fontRef>
-        </p:style>
-      </p:cxnSp>
-      <p:cxnSp>
-        <p:nvCxnSpPr>
-          <p:cNvPr id="67" name="Straight Connector 66"/>
-          <p:cNvCxnSpPr/>
-          <p:nvPr/>
-        </p:nvCxnSpPr>
-        <p:spPr>
-          <a:xfrm>
-            <a:off x="6884740" y="2674531"/>
-            <a:ext cx="42822" cy="1491186"/>
-          </a:xfrm>
-          <a:prstGeom prst="line">
-            <a:avLst/>
-          </a:prstGeom>
-          <a:ln>
-            <a:solidFill>
-              <a:schemeClr val="tx1"/>
-            </a:solidFill>
-          </a:ln>
-        </p:spPr>
-        <p:style>
-          <a:lnRef idx="1">
-            <a:schemeClr val="accent1"/>
-          </a:lnRef>
-          <a:fillRef idx="0">
-            <a:schemeClr val="accent1"/>
-          </a:fillRef>
-          <a:effectRef idx="0">
-            <a:schemeClr val="accent1"/>
-          </a:effectRef>
-          <a:fontRef idx="minor">
-            <a:schemeClr val="tx1"/>
-          </a:fontRef>
-        </p:style>
-      </p:cxnSp>
-      <p:cxnSp>
-        <p:nvCxnSpPr>
-          <p:cNvPr id="68" name="Straight Connector 67"/>
-          <p:cNvCxnSpPr/>
-          <p:nvPr/>
-        </p:nvCxnSpPr>
-        <p:spPr>
-          <a:xfrm>
-            <a:off x="656870" y="705893"/>
-            <a:ext cx="1764407" cy="0"/>
-          </a:xfrm>
-          <a:prstGeom prst="line">
-            <a:avLst/>
-          </a:prstGeom>
-          <a:ln>
-            <a:solidFill>
-              <a:schemeClr val="tx1"/>
-            </a:solidFill>
-          </a:ln>
-        </p:spPr>
-        <p:style>
-          <a:lnRef idx="1">
-            <a:schemeClr val="accent1"/>
-          </a:lnRef>
-          <a:fillRef idx="0">
-            <a:schemeClr val="accent1"/>
-          </a:fillRef>
-          <a:effectRef idx="0">
-            <a:schemeClr val="accent1"/>
-          </a:effectRef>
-          <a:fontRef idx="minor">
-            <a:schemeClr val="tx1"/>
-          </a:fontRef>
-        </p:style>
-      </p:cxnSp>
-      <p:cxnSp>
-        <p:nvCxnSpPr>
-          <p:cNvPr id="69" name="Straight Connector 68"/>
-          <p:cNvCxnSpPr/>
-          <p:nvPr/>
-        </p:nvCxnSpPr>
-        <p:spPr>
-          <a:xfrm>
-            <a:off x="3340532" y="684290"/>
-            <a:ext cx="1764407" cy="0"/>
-          </a:xfrm>
-          <a:prstGeom prst="line">
-            <a:avLst/>
-          </a:prstGeom>
-          <a:ln>
-            <a:solidFill>
-              <a:schemeClr val="tx1"/>
-            </a:solidFill>
-          </a:ln>
-        </p:spPr>
-        <p:style>
-          <a:lnRef idx="1">
-            <a:schemeClr val="accent1"/>
-          </a:lnRef>
-          <a:fillRef idx="0">
-            <a:schemeClr val="accent1"/>
-          </a:fillRef>
-          <a:effectRef idx="0">
-            <a:schemeClr val="accent1"/>
-          </a:effectRef>
-          <a:fontRef idx="minor">
-            <a:schemeClr val="tx1"/>
-          </a:fontRef>
-        </p:style>
-      </p:cxnSp>
-      <p:cxnSp>
-        <p:nvCxnSpPr>
-          <p:cNvPr id="70" name="Straight Connector 69"/>
-          <p:cNvCxnSpPr/>
-          <p:nvPr/>
-        </p:nvCxnSpPr>
-        <p:spPr>
-          <a:xfrm>
-            <a:off x="5967822" y="705893"/>
-            <a:ext cx="1764407" cy="0"/>
-          </a:xfrm>
-          <a:prstGeom prst="line">
-            <a:avLst/>
-          </a:prstGeom>
-          <a:ln>
-            <a:solidFill>
-              <a:schemeClr val="tx1"/>
-            </a:solidFill>
-          </a:ln>
-        </p:spPr>
-        <p:style>
-          <a:lnRef idx="1">
-            <a:schemeClr val="accent1"/>
-          </a:lnRef>
-          <a:fillRef idx="0">
-            <a:schemeClr val="accent1"/>
-          </a:fillRef>
-          <a:effectRef idx="0">
-            <a:schemeClr val="accent1"/>
-          </a:effectRef>
-          <a:fontRef idx="minor">
-            <a:schemeClr val="tx1"/>
-          </a:fontRef>
-        </p:style>
-      </p:cxnSp>
-      <p:cxnSp>
-        <p:nvCxnSpPr>
-          <p:cNvPr id="71" name="Straight Connector 70"/>
-          <p:cNvCxnSpPr/>
-          <p:nvPr/>
-        </p:nvCxnSpPr>
-        <p:spPr>
-          <a:xfrm>
-            <a:off x="9232844" y="705893"/>
-            <a:ext cx="1764407" cy="0"/>
-          </a:xfrm>
-          <a:prstGeom prst="line">
-            <a:avLst/>
-          </a:prstGeom>
-          <a:ln>
-            <a:solidFill>
-              <a:schemeClr val="tx1"/>
-            </a:solidFill>
-          </a:ln>
-        </p:spPr>
-        <p:style>
-          <a:lnRef idx="1">
-            <a:schemeClr val="accent1"/>
-          </a:lnRef>
-          <a:fillRef idx="0">
-            <a:schemeClr val="accent1"/>
-          </a:fillRef>
-          <a:effectRef idx="0">
-            <a:schemeClr val="accent1"/>
-          </a:effectRef>
-          <a:fontRef idx="minor">
-            <a:schemeClr val="tx1"/>
-          </a:fontRef>
-        </p:style>
-      </p:cxnSp>
-      <p:cxnSp>
-        <p:nvCxnSpPr>
-          <p:cNvPr id="72" name="Straight Connector 71"/>
-          <p:cNvCxnSpPr/>
-          <p:nvPr/>
-        </p:nvCxnSpPr>
-        <p:spPr>
-          <a:xfrm>
-            <a:off x="650081" y="4659166"/>
-            <a:ext cx="1764407" cy="0"/>
-          </a:xfrm>
-          <a:prstGeom prst="line">
-            <a:avLst/>
-          </a:prstGeom>
-          <a:ln>
-            <a:solidFill>
-              <a:schemeClr val="tx1"/>
-            </a:solidFill>
-          </a:ln>
-        </p:spPr>
-        <p:style>
-          <a:lnRef idx="1">
-            <a:schemeClr val="accent1"/>
-          </a:lnRef>
-          <a:fillRef idx="0">
-            <a:schemeClr val="accent1"/>
-          </a:fillRef>
-          <a:effectRef idx="0">
-            <a:schemeClr val="accent1"/>
-          </a:effectRef>
-          <a:fontRef idx="minor">
-            <a:schemeClr val="tx1"/>
-          </a:fontRef>
-        </p:style>
-      </p:cxnSp>
-      <p:cxnSp>
-        <p:nvCxnSpPr>
-          <p:cNvPr id="73" name="Straight Connector 72"/>
-          <p:cNvCxnSpPr/>
-          <p:nvPr/>
-        </p:nvCxnSpPr>
-        <p:spPr>
-          <a:xfrm>
-            <a:off x="5955268" y="4592486"/>
-            <a:ext cx="1764407" cy="0"/>
-          </a:xfrm>
-          <a:prstGeom prst="line">
-            <a:avLst/>
-          </a:prstGeom>
-          <a:ln>
-            <a:solidFill>
-              <a:schemeClr val="tx1"/>
-            </a:solidFill>
-          </a:ln>
-        </p:spPr>
-        <p:style>
-          <a:lnRef idx="1">
-            <a:schemeClr val="accent1"/>
-          </a:lnRef>
-          <a:fillRef idx="0">
-            <a:schemeClr val="accent1"/>
-          </a:fillRef>
-          <a:effectRef idx="0">
-            <a:schemeClr val="accent1"/>
-          </a:effectRef>
-          <a:fontRef idx="minor">
-            <a:schemeClr val="tx1"/>
-          </a:fontRef>
-        </p:style>
-      </p:cxnSp>
-      <p:sp>
-        <p:nvSpPr>
-          <p:cNvPr id="74" name="TextBox 73"/>
-          <p:cNvSpPr txBox="1"/>
-          <p:nvPr/>
-        </p:nvSpPr>
-        <p:spPr>
-          <a:xfrm>
-            <a:off x="3567083" y="1093040"/>
-            <a:ext cx="1231299" cy="369332"/>
+            <a:off x="1497496" y="4810539"/>
+            <a:ext cx="437321" cy="369332"/>
           </a:xfrm>
           <a:prstGeom prst="rect">
             <a:avLst/>
@@ -4047,29 +4019,34 @@
           <a:noFill/>
         </p:spPr>
         <p:txBody>
-          <a:bodyPr wrap="none" rtlCol="0">
+          <a:bodyPr wrap="square" rtlCol="0">
             <a:spAutoFit/>
           </a:bodyPr>
           <a:lstStyle/>
           <a:p>
             <a:r>
-              <a:rPr lang="en-US" dirty="0" smtClean="0"/>
-              <a:t>first_name</a:t>
-            </a:r>
-            <a:endParaRPr lang="en-US" dirty="0"/>
-          </a:p>
-        </p:txBody>
-      </p:sp>
-      <p:sp>
-        <p:nvSpPr>
-          <p:cNvPr id="75" name="TextBox 74"/>
+              <a:rPr lang="en-US" dirty="0"/>
+              <a:t>1</a:t>
+            </a:r>
+          </a:p>
+        </p:txBody>
+      </p:sp>
+      <p:sp>
+        <p:nvSpPr>
+          <p:cNvPr id="141" name="TextBox 140">
+            <a:extLst>
+              <a:ext uri="{FF2B5EF4-FFF2-40B4-BE49-F238E27FC236}">
+                <a16:creationId xmlns:a16="http://schemas.microsoft.com/office/drawing/2014/main" id="{59767BB0-F227-489E-8CBE-17ABCFDF7B4D}"/>
+              </a:ext>
+            </a:extLst>
+          </p:cNvPr>
           <p:cNvSpPr txBox="1"/>
           <p:nvPr/>
         </p:nvSpPr>
         <p:spPr>
           <a:xfrm>
-            <a:off x="3554818" y="1350878"/>
-            <a:ext cx="1159933" cy="369332"/>
+            <a:off x="3220278" y="5179871"/>
+            <a:ext cx="410818" cy="369332"/>
           </a:xfrm>
           <a:prstGeom prst="rect">
             <a:avLst/>
@@ -4077,1324 +4054,15 @@
           <a:noFill/>
         </p:spPr>
         <p:txBody>
-          <a:bodyPr wrap="none" rtlCol="0">
+          <a:bodyPr wrap="square" rtlCol="0">
             <a:spAutoFit/>
           </a:bodyPr>
           <a:lstStyle/>
           <a:p>
             <a:r>
-              <a:rPr lang="en-US" dirty="0" smtClean="0"/>
-              <a:t>last_name</a:t>
-            </a:r>
-            <a:endParaRPr lang="en-US" dirty="0"/>
-          </a:p>
-        </p:txBody>
-      </p:sp>
-      <p:sp>
-        <p:nvSpPr>
-          <p:cNvPr id="76" name="TextBox 75"/>
-          <p:cNvSpPr txBox="1"/>
-          <p:nvPr/>
-        </p:nvSpPr>
-        <p:spPr>
-          <a:xfrm>
-            <a:off x="6243812" y="1053320"/>
-            <a:ext cx="684675" cy="369332"/>
-          </a:xfrm>
-          <a:prstGeom prst="rect">
-            <a:avLst/>
-          </a:prstGeom>
-          <a:noFill/>
-        </p:spPr>
-        <p:txBody>
-          <a:bodyPr wrap="none" rtlCol="0">
-            <a:spAutoFit/>
-          </a:bodyPr>
-          <a:lstStyle/>
-          <a:p>
-            <a:r>
-              <a:rPr lang="en-US" dirty="0" smtClean="0"/>
-              <a:t>score</a:t>
-            </a:r>
-            <a:endParaRPr lang="en-US" dirty="0"/>
-          </a:p>
-        </p:txBody>
-      </p:sp>
-      <p:sp>
-        <p:nvSpPr>
-          <p:cNvPr id="77" name="TextBox 76"/>
-          <p:cNvSpPr txBox="1"/>
-          <p:nvPr/>
-        </p:nvSpPr>
-        <p:spPr>
-          <a:xfrm>
-            <a:off x="9512669" y="1051656"/>
-            <a:ext cx="559769" cy="369332"/>
-          </a:xfrm>
-          <a:prstGeom prst="rect">
-            <a:avLst/>
-          </a:prstGeom>
-          <a:noFill/>
-        </p:spPr>
-        <p:txBody>
-          <a:bodyPr wrap="none" rtlCol="0">
-            <a:spAutoFit/>
-          </a:bodyPr>
-          <a:lstStyle/>
-          <a:p>
-            <a:r>
-              <a:rPr lang="en-US" dirty="0" smtClean="0"/>
-              <a:t>title</a:t>
-            </a:r>
-            <a:endParaRPr lang="en-US" dirty="0"/>
-          </a:p>
-        </p:txBody>
-      </p:sp>
-      <p:sp>
-        <p:nvSpPr>
-          <p:cNvPr id="78" name="TextBox 77"/>
-          <p:cNvSpPr txBox="1"/>
-          <p:nvPr/>
-        </p:nvSpPr>
-        <p:spPr>
-          <a:xfrm>
-            <a:off x="9543336" y="755280"/>
-            <a:ext cx="364202" cy="369332"/>
-          </a:xfrm>
-          <a:prstGeom prst="rect">
-            <a:avLst/>
-          </a:prstGeom>
-          <a:noFill/>
-        </p:spPr>
-        <p:txBody>
-          <a:bodyPr wrap="none" rtlCol="0">
-            <a:spAutoFit/>
-          </a:bodyPr>
-          <a:lstStyle/>
-          <a:p>
-            <a:r>
-              <a:rPr lang="en-US" b="1" dirty="0" smtClean="0"/>
-              <a:t>id</a:t>
-            </a:r>
-            <a:endParaRPr lang="en-US" b="1" dirty="0"/>
-          </a:p>
-        </p:txBody>
-      </p:sp>
-      <p:sp>
-        <p:nvSpPr>
-          <p:cNvPr id="79" name="TextBox 78"/>
-          <p:cNvSpPr txBox="1"/>
-          <p:nvPr/>
-        </p:nvSpPr>
-        <p:spPr>
-          <a:xfrm>
-            <a:off x="6287064" y="787274"/>
-            <a:ext cx="364202" cy="369332"/>
-          </a:xfrm>
-          <a:prstGeom prst="rect">
-            <a:avLst/>
-          </a:prstGeom>
-          <a:noFill/>
-        </p:spPr>
-        <p:txBody>
-          <a:bodyPr wrap="none" rtlCol="0">
-            <a:spAutoFit/>
-          </a:bodyPr>
-          <a:lstStyle/>
-          <a:p>
-            <a:r>
-              <a:rPr lang="en-US" b="1" dirty="0" smtClean="0"/>
-              <a:t>id</a:t>
-            </a:r>
-            <a:endParaRPr lang="en-US" b="1" dirty="0"/>
-          </a:p>
-        </p:txBody>
-      </p:sp>
-      <p:sp>
-        <p:nvSpPr>
-          <p:cNvPr id="80" name="TextBox 79"/>
-          <p:cNvSpPr txBox="1"/>
-          <p:nvPr/>
-        </p:nvSpPr>
-        <p:spPr>
-          <a:xfrm>
-            <a:off x="3598367" y="787274"/>
-            <a:ext cx="364202" cy="369332"/>
-          </a:xfrm>
-          <a:prstGeom prst="rect">
-            <a:avLst/>
-          </a:prstGeom>
-          <a:noFill/>
-        </p:spPr>
-        <p:txBody>
-          <a:bodyPr wrap="none" rtlCol="0">
-            <a:spAutoFit/>
-          </a:bodyPr>
-          <a:lstStyle/>
-          <a:p>
-            <a:r>
-              <a:rPr lang="en-US" b="1" dirty="0" smtClean="0"/>
-              <a:t>id</a:t>
-            </a:r>
-            <a:endParaRPr lang="en-US" b="1" dirty="0"/>
-          </a:p>
-        </p:txBody>
-      </p:sp>
-      <p:sp>
-        <p:nvSpPr>
-          <p:cNvPr id="81" name="TextBox 80"/>
-          <p:cNvSpPr txBox="1"/>
-          <p:nvPr/>
-        </p:nvSpPr>
-        <p:spPr>
-          <a:xfrm>
-            <a:off x="978566" y="800151"/>
-            <a:ext cx="364202" cy="369332"/>
-          </a:xfrm>
-          <a:prstGeom prst="rect">
-            <a:avLst/>
-          </a:prstGeom>
-          <a:noFill/>
-        </p:spPr>
-        <p:txBody>
-          <a:bodyPr wrap="none" rtlCol="0">
-            <a:spAutoFit/>
-          </a:bodyPr>
-          <a:lstStyle/>
-          <a:p>
-            <a:r>
-              <a:rPr lang="en-US" b="1" dirty="0" smtClean="0"/>
-              <a:t>id</a:t>
-            </a:r>
-            <a:endParaRPr lang="en-US" b="1" dirty="0"/>
-          </a:p>
-        </p:txBody>
-      </p:sp>
-      <p:sp>
-        <p:nvSpPr>
-          <p:cNvPr id="82" name="TextBox 81"/>
-          <p:cNvSpPr txBox="1"/>
-          <p:nvPr/>
-        </p:nvSpPr>
-        <p:spPr>
-          <a:xfrm>
-            <a:off x="923618" y="1111784"/>
-            <a:ext cx="716863" cy="369332"/>
-          </a:xfrm>
-          <a:prstGeom prst="rect">
-            <a:avLst/>
-          </a:prstGeom>
-          <a:noFill/>
-        </p:spPr>
-        <p:txBody>
-          <a:bodyPr wrap="none" rtlCol="0">
-            <a:spAutoFit/>
-          </a:bodyPr>
-          <a:lstStyle/>
-          <a:p>
-            <a:r>
-              <a:rPr lang="en-US" dirty="0" smtClean="0"/>
-              <a:t>name</a:t>
-            </a:r>
-            <a:endParaRPr lang="en-US" dirty="0"/>
-          </a:p>
-        </p:txBody>
-      </p:sp>
-      <p:sp>
-        <p:nvSpPr>
-          <p:cNvPr id="83" name="TextBox 82"/>
-          <p:cNvSpPr txBox="1"/>
-          <p:nvPr/>
-        </p:nvSpPr>
-        <p:spPr>
-          <a:xfrm>
-            <a:off x="6333794" y="5032084"/>
-            <a:ext cx="559769" cy="369332"/>
-          </a:xfrm>
-          <a:prstGeom prst="rect">
-            <a:avLst/>
-          </a:prstGeom>
-          <a:noFill/>
-        </p:spPr>
-        <p:txBody>
-          <a:bodyPr wrap="none" rtlCol="0">
-            <a:spAutoFit/>
-          </a:bodyPr>
-          <a:lstStyle/>
-          <a:p>
-            <a:r>
-              <a:rPr lang="en-US" dirty="0" smtClean="0"/>
-              <a:t>title</a:t>
-            </a:r>
-            <a:endParaRPr lang="en-US" dirty="0"/>
-          </a:p>
-        </p:txBody>
-      </p:sp>
-      <p:sp>
-        <p:nvSpPr>
-          <p:cNvPr id="84" name="TextBox 83"/>
-          <p:cNvSpPr txBox="1"/>
-          <p:nvPr/>
-        </p:nvSpPr>
-        <p:spPr>
-          <a:xfrm>
-            <a:off x="6386433" y="4673967"/>
-            <a:ext cx="364202" cy="369332"/>
-          </a:xfrm>
-          <a:prstGeom prst="rect">
-            <a:avLst/>
-          </a:prstGeom>
-          <a:noFill/>
-        </p:spPr>
-        <p:txBody>
-          <a:bodyPr wrap="none" rtlCol="0">
-            <a:spAutoFit/>
-          </a:bodyPr>
-          <a:lstStyle/>
-          <a:p>
-            <a:r>
-              <a:rPr lang="en-US" b="1" dirty="0" smtClean="0"/>
-              <a:t>id</a:t>
-            </a:r>
-            <a:endParaRPr lang="en-US" b="1" dirty="0"/>
-          </a:p>
-        </p:txBody>
-      </p:sp>
-      <p:sp>
-        <p:nvSpPr>
-          <p:cNvPr id="85" name="TextBox 84"/>
-          <p:cNvSpPr txBox="1"/>
-          <p:nvPr/>
-        </p:nvSpPr>
-        <p:spPr>
-          <a:xfrm>
-            <a:off x="3567083" y="1608716"/>
-            <a:ext cx="485774" cy="369332"/>
-          </a:xfrm>
-          <a:prstGeom prst="rect">
-            <a:avLst/>
-          </a:prstGeom>
-          <a:noFill/>
-        </p:spPr>
-        <p:txBody>
-          <a:bodyPr wrap="none" rtlCol="0">
-            <a:spAutoFit/>
-          </a:bodyPr>
-          <a:lstStyle/>
-          <a:p>
-            <a:r>
-              <a:rPr lang="en-US" dirty="0" smtClean="0"/>
-              <a:t>sex</a:t>
-            </a:r>
-            <a:endParaRPr lang="en-US" dirty="0"/>
-          </a:p>
-        </p:txBody>
-      </p:sp>
-      <p:sp>
-        <p:nvSpPr>
-          <p:cNvPr id="86" name="TextBox 85"/>
-          <p:cNvSpPr txBox="1"/>
-          <p:nvPr/>
-        </p:nvSpPr>
-        <p:spPr>
-          <a:xfrm>
-            <a:off x="998712" y="4769421"/>
-            <a:ext cx="364202" cy="369332"/>
-          </a:xfrm>
-          <a:prstGeom prst="rect">
-            <a:avLst/>
-          </a:prstGeom>
-          <a:noFill/>
-        </p:spPr>
-        <p:txBody>
-          <a:bodyPr wrap="none" rtlCol="0">
-            <a:spAutoFit/>
-          </a:bodyPr>
-          <a:lstStyle/>
-          <a:p>
-            <a:r>
-              <a:rPr lang="en-US" b="1" dirty="0" smtClean="0"/>
-              <a:t>id</a:t>
-            </a:r>
-            <a:endParaRPr lang="en-US" b="1" dirty="0"/>
-          </a:p>
-        </p:txBody>
-      </p:sp>
-      <p:sp>
-        <p:nvSpPr>
-          <p:cNvPr id="87" name="TextBox 86"/>
-          <p:cNvSpPr txBox="1"/>
-          <p:nvPr/>
-        </p:nvSpPr>
-        <p:spPr>
-          <a:xfrm>
-            <a:off x="1006003" y="5090145"/>
-            <a:ext cx="716863" cy="369332"/>
-          </a:xfrm>
-          <a:prstGeom prst="rect">
-            <a:avLst/>
-          </a:prstGeom>
-          <a:noFill/>
-        </p:spPr>
-        <p:txBody>
-          <a:bodyPr wrap="none" rtlCol="0">
-            <a:spAutoFit/>
-          </a:bodyPr>
-          <a:lstStyle/>
-          <a:p>
-            <a:r>
-              <a:rPr lang="en-US" smtClean="0"/>
-              <a:t>name</a:t>
-            </a:r>
-            <a:endParaRPr lang="en-US" dirty="0"/>
-          </a:p>
-        </p:txBody>
-      </p:sp>
-      <p:sp>
-        <p:nvSpPr>
-          <p:cNvPr id="88" name="TextBox 87"/>
-          <p:cNvSpPr txBox="1"/>
-          <p:nvPr/>
-        </p:nvSpPr>
-        <p:spPr>
-          <a:xfrm>
-            <a:off x="2456749" y="895546"/>
-            <a:ext cx="301686" cy="369332"/>
-          </a:xfrm>
-          <a:prstGeom prst="rect">
-            <a:avLst/>
-          </a:prstGeom>
-          <a:noFill/>
-        </p:spPr>
-        <p:txBody>
-          <a:bodyPr wrap="none" rtlCol="0">
-            <a:spAutoFit/>
-          </a:bodyPr>
-          <a:lstStyle/>
-          <a:p>
-            <a:r>
-              <a:rPr lang="en-US" dirty="0" smtClean="0">
-                <a:solidFill>
-                  <a:schemeClr val="accent1"/>
-                </a:solidFill>
-              </a:rPr>
+              <a:rPr lang="en-US" dirty="0"/>
               <a:t>1</a:t>
             </a:r>
-            <a:endParaRPr lang="en-US" dirty="0">
-              <a:solidFill>
-                <a:schemeClr val="accent1"/>
-              </a:solidFill>
-            </a:endParaRPr>
-          </a:p>
-        </p:txBody>
-      </p:sp>
-      <p:sp>
-        <p:nvSpPr>
-          <p:cNvPr id="89" name="TextBox 88"/>
-          <p:cNvSpPr txBox="1"/>
-          <p:nvPr/>
-        </p:nvSpPr>
-        <p:spPr>
-          <a:xfrm>
-            <a:off x="2948059" y="933147"/>
-            <a:ext cx="301686" cy="369332"/>
-          </a:xfrm>
-          <a:prstGeom prst="rect">
-            <a:avLst/>
-          </a:prstGeom>
-          <a:noFill/>
-        </p:spPr>
-        <p:txBody>
-          <a:bodyPr wrap="none" rtlCol="0">
-            <a:spAutoFit/>
-          </a:bodyPr>
-          <a:lstStyle/>
-          <a:p>
-            <a:r>
-              <a:rPr lang="en-US" dirty="0" smtClean="0">
-                <a:solidFill>
-                  <a:schemeClr val="accent1"/>
-                </a:solidFill>
-              </a:rPr>
-              <a:t>*</a:t>
-            </a:r>
-            <a:endParaRPr lang="en-US" dirty="0">
-              <a:solidFill>
-                <a:schemeClr val="accent1"/>
-              </a:solidFill>
-            </a:endParaRPr>
-          </a:p>
-        </p:txBody>
-      </p:sp>
-      <p:sp>
-        <p:nvSpPr>
-          <p:cNvPr id="90" name="TextBox 89"/>
-          <p:cNvSpPr txBox="1"/>
-          <p:nvPr/>
-        </p:nvSpPr>
-        <p:spPr>
-          <a:xfrm>
-            <a:off x="5149269" y="878302"/>
-            <a:ext cx="301686" cy="369332"/>
-          </a:xfrm>
-          <a:prstGeom prst="rect">
-            <a:avLst/>
-          </a:prstGeom>
-          <a:noFill/>
-        </p:spPr>
-        <p:txBody>
-          <a:bodyPr wrap="none" rtlCol="0">
-            <a:spAutoFit/>
-          </a:bodyPr>
-          <a:lstStyle/>
-          <a:p>
-            <a:r>
-              <a:rPr lang="en-US" dirty="0" smtClean="0">
-                <a:solidFill>
-                  <a:schemeClr val="accent1"/>
-                </a:solidFill>
-              </a:rPr>
-              <a:t>1</a:t>
-            </a:r>
-            <a:endParaRPr lang="en-US" dirty="0">
-              <a:solidFill>
-                <a:schemeClr val="accent1"/>
-              </a:solidFill>
-            </a:endParaRPr>
-          </a:p>
-        </p:txBody>
-      </p:sp>
-      <p:sp>
-        <p:nvSpPr>
-          <p:cNvPr id="91" name="TextBox 90"/>
-          <p:cNvSpPr txBox="1"/>
-          <p:nvPr/>
-        </p:nvSpPr>
-        <p:spPr>
-          <a:xfrm>
-            <a:off x="5640579" y="915903"/>
-            <a:ext cx="301686" cy="369332"/>
-          </a:xfrm>
-          <a:prstGeom prst="rect">
-            <a:avLst/>
-          </a:prstGeom>
-          <a:noFill/>
-        </p:spPr>
-        <p:txBody>
-          <a:bodyPr wrap="none" rtlCol="0">
-            <a:spAutoFit/>
-          </a:bodyPr>
-          <a:lstStyle/>
-          <a:p>
-            <a:r>
-              <a:rPr lang="en-US" dirty="0" smtClean="0">
-                <a:solidFill>
-                  <a:schemeClr val="accent1"/>
-                </a:solidFill>
-              </a:rPr>
-              <a:t>*</a:t>
-            </a:r>
-            <a:endParaRPr lang="en-US" dirty="0">
-              <a:solidFill>
-                <a:schemeClr val="accent1"/>
-              </a:solidFill>
-            </a:endParaRPr>
-          </a:p>
-        </p:txBody>
-      </p:sp>
-      <p:sp>
-        <p:nvSpPr>
-          <p:cNvPr id="92" name="TextBox 91"/>
-          <p:cNvSpPr txBox="1"/>
-          <p:nvPr/>
-        </p:nvSpPr>
-        <p:spPr>
-          <a:xfrm>
-            <a:off x="8899781" y="888691"/>
-            <a:ext cx="301686" cy="369332"/>
-          </a:xfrm>
-          <a:prstGeom prst="rect">
-            <a:avLst/>
-          </a:prstGeom>
-          <a:noFill/>
-        </p:spPr>
-        <p:txBody>
-          <a:bodyPr wrap="none" rtlCol="0">
-            <a:spAutoFit/>
-          </a:bodyPr>
-          <a:lstStyle/>
-          <a:p>
-            <a:r>
-              <a:rPr lang="en-US" dirty="0" smtClean="0">
-                <a:solidFill>
-                  <a:schemeClr val="accent1"/>
-                </a:solidFill>
-              </a:rPr>
-              <a:t>1</a:t>
-            </a:r>
-            <a:endParaRPr lang="en-US" dirty="0">
-              <a:solidFill>
-                <a:schemeClr val="accent1"/>
-              </a:solidFill>
-            </a:endParaRPr>
-          </a:p>
-        </p:txBody>
-      </p:sp>
-      <p:sp>
-        <p:nvSpPr>
-          <p:cNvPr id="93" name="TextBox 92"/>
-          <p:cNvSpPr txBox="1"/>
-          <p:nvPr/>
-        </p:nvSpPr>
-        <p:spPr>
-          <a:xfrm>
-            <a:off x="7897559" y="927118"/>
-            <a:ext cx="301686" cy="369332"/>
-          </a:xfrm>
-          <a:prstGeom prst="rect">
-            <a:avLst/>
-          </a:prstGeom>
-          <a:noFill/>
-        </p:spPr>
-        <p:txBody>
-          <a:bodyPr wrap="none" rtlCol="0">
-            <a:spAutoFit/>
-          </a:bodyPr>
-          <a:lstStyle/>
-          <a:p>
-            <a:r>
-              <a:rPr lang="en-US" dirty="0" smtClean="0">
-                <a:solidFill>
-                  <a:schemeClr val="accent1"/>
-                </a:solidFill>
-              </a:rPr>
-              <a:t>*</a:t>
-            </a:r>
-            <a:endParaRPr lang="en-US" dirty="0">
-              <a:solidFill>
-                <a:schemeClr val="accent1"/>
-              </a:solidFill>
-            </a:endParaRPr>
-          </a:p>
-        </p:txBody>
-      </p:sp>
-      <p:sp>
-        <p:nvSpPr>
-          <p:cNvPr id="94" name="TextBox 93"/>
-          <p:cNvSpPr txBox="1"/>
-          <p:nvPr/>
-        </p:nvSpPr>
-        <p:spPr>
-          <a:xfrm>
-            <a:off x="6927562" y="3844734"/>
-            <a:ext cx="301686" cy="369332"/>
-          </a:xfrm>
-          <a:prstGeom prst="rect">
-            <a:avLst/>
-          </a:prstGeom>
-          <a:noFill/>
-        </p:spPr>
-        <p:txBody>
-          <a:bodyPr wrap="none" rtlCol="0">
-            <a:spAutoFit/>
-          </a:bodyPr>
-          <a:lstStyle/>
-          <a:p>
-            <a:r>
-              <a:rPr lang="en-US" dirty="0" smtClean="0">
-                <a:solidFill>
-                  <a:schemeClr val="accent1"/>
-                </a:solidFill>
-              </a:rPr>
-              <a:t>1</a:t>
-            </a:r>
-            <a:endParaRPr lang="en-US" dirty="0">
-              <a:solidFill>
-                <a:schemeClr val="accent1"/>
-              </a:solidFill>
-            </a:endParaRPr>
-          </a:p>
-        </p:txBody>
-      </p:sp>
-      <p:sp>
-        <p:nvSpPr>
-          <p:cNvPr id="95" name="TextBox 94"/>
-          <p:cNvSpPr txBox="1"/>
-          <p:nvPr/>
-        </p:nvSpPr>
-        <p:spPr>
-          <a:xfrm>
-            <a:off x="6909826" y="2690473"/>
-            <a:ext cx="301686" cy="369332"/>
-          </a:xfrm>
-          <a:prstGeom prst="rect">
-            <a:avLst/>
-          </a:prstGeom>
-          <a:noFill/>
-        </p:spPr>
-        <p:txBody>
-          <a:bodyPr wrap="none" rtlCol="0">
-            <a:spAutoFit/>
-          </a:bodyPr>
-          <a:lstStyle/>
-          <a:p>
-            <a:r>
-              <a:rPr lang="en-US" dirty="0" smtClean="0">
-                <a:solidFill>
-                  <a:schemeClr val="accent1"/>
-                </a:solidFill>
-              </a:rPr>
-              <a:t>*</a:t>
-            </a:r>
-            <a:endParaRPr lang="en-US" dirty="0">
-              <a:solidFill>
-                <a:schemeClr val="accent1"/>
-              </a:solidFill>
-            </a:endParaRPr>
-          </a:p>
-        </p:txBody>
-      </p:sp>
-      <p:sp>
-        <p:nvSpPr>
-          <p:cNvPr id="96" name="TextBox 95"/>
-          <p:cNvSpPr txBox="1"/>
-          <p:nvPr/>
-        </p:nvSpPr>
-        <p:spPr>
-          <a:xfrm>
-            <a:off x="1650748" y="2668822"/>
-            <a:ext cx="301686" cy="369332"/>
-          </a:xfrm>
-          <a:prstGeom prst="rect">
-            <a:avLst/>
-          </a:prstGeom>
-          <a:noFill/>
-        </p:spPr>
-        <p:txBody>
-          <a:bodyPr wrap="none" rtlCol="0">
-            <a:spAutoFit/>
-          </a:bodyPr>
-          <a:lstStyle/>
-          <a:p>
-            <a:r>
-              <a:rPr lang="en-US" dirty="0" smtClean="0">
-                <a:solidFill>
-                  <a:schemeClr val="accent1"/>
-                </a:solidFill>
-              </a:rPr>
-              <a:t>*</a:t>
-            </a:r>
-            <a:endParaRPr lang="en-US" dirty="0">
-              <a:solidFill>
-                <a:schemeClr val="accent1"/>
-              </a:solidFill>
-            </a:endParaRPr>
-          </a:p>
-        </p:txBody>
-      </p:sp>
-      <p:sp>
-        <p:nvSpPr>
-          <p:cNvPr id="97" name="TextBox 96"/>
-          <p:cNvSpPr txBox="1"/>
-          <p:nvPr/>
-        </p:nvSpPr>
-        <p:spPr>
-          <a:xfrm>
-            <a:off x="1667685" y="3821834"/>
-            <a:ext cx="301686" cy="369332"/>
-          </a:xfrm>
-          <a:prstGeom prst="rect">
-            <a:avLst/>
-          </a:prstGeom>
-          <a:noFill/>
-        </p:spPr>
-        <p:txBody>
-          <a:bodyPr wrap="none" rtlCol="0">
-            <a:spAutoFit/>
-          </a:bodyPr>
-          <a:lstStyle/>
-          <a:p>
-            <a:r>
-              <a:rPr lang="en-US" dirty="0" smtClean="0">
-                <a:solidFill>
-                  <a:schemeClr val="accent1"/>
-                </a:solidFill>
-              </a:rPr>
-              <a:t>1</a:t>
-            </a:r>
-            <a:endParaRPr lang="en-US" dirty="0">
-              <a:solidFill>
-                <a:schemeClr val="accent1"/>
-              </a:solidFill>
-            </a:endParaRPr>
-          </a:p>
-        </p:txBody>
-      </p:sp>
-      <p:sp>
-        <p:nvSpPr>
-          <p:cNvPr id="98" name="TextBox 97"/>
-          <p:cNvSpPr txBox="1"/>
-          <p:nvPr/>
-        </p:nvSpPr>
-        <p:spPr>
-          <a:xfrm>
-            <a:off x="577750" y="830929"/>
-            <a:ext cx="405880" cy="338554"/>
-          </a:xfrm>
-          <a:prstGeom prst="rect">
-            <a:avLst/>
-          </a:prstGeom>
-          <a:noFill/>
-        </p:spPr>
-        <p:txBody>
-          <a:bodyPr wrap="none" rtlCol="0">
-            <a:spAutoFit/>
-          </a:bodyPr>
-          <a:lstStyle/>
-          <a:p>
-            <a:r>
-              <a:rPr lang="en-US" sz="1600" b="1" dirty="0" smtClean="0">
-                <a:solidFill>
-                  <a:schemeClr val="accent2"/>
-                </a:solidFill>
-              </a:rPr>
-              <a:t>PK</a:t>
-            </a:r>
-            <a:endParaRPr lang="en-US" sz="1600" b="1" dirty="0">
-              <a:solidFill>
-                <a:schemeClr val="accent2"/>
-              </a:solidFill>
-            </a:endParaRPr>
-          </a:p>
-        </p:txBody>
-      </p:sp>
-      <p:sp>
-        <p:nvSpPr>
-          <p:cNvPr id="99" name="TextBox 98"/>
-          <p:cNvSpPr txBox="1"/>
-          <p:nvPr/>
-        </p:nvSpPr>
-        <p:spPr>
-          <a:xfrm>
-            <a:off x="587580" y="4800199"/>
-            <a:ext cx="405880" cy="338554"/>
-          </a:xfrm>
-          <a:prstGeom prst="rect">
-            <a:avLst/>
-          </a:prstGeom>
-          <a:noFill/>
-        </p:spPr>
-        <p:txBody>
-          <a:bodyPr wrap="none" rtlCol="0">
-            <a:spAutoFit/>
-          </a:bodyPr>
-          <a:lstStyle/>
-          <a:p>
-            <a:r>
-              <a:rPr lang="en-US" sz="1600" b="1" dirty="0" smtClean="0">
-                <a:solidFill>
-                  <a:schemeClr val="accent2"/>
-                </a:solidFill>
-              </a:rPr>
-              <a:t>PK</a:t>
-            </a:r>
-            <a:endParaRPr lang="en-US" sz="1600" b="1" dirty="0">
-              <a:solidFill>
-                <a:schemeClr val="accent2"/>
-              </a:solidFill>
-            </a:endParaRPr>
-          </a:p>
-        </p:txBody>
-      </p:sp>
-      <p:sp>
-        <p:nvSpPr>
-          <p:cNvPr id="100" name="TextBox 99"/>
-          <p:cNvSpPr txBox="1"/>
-          <p:nvPr/>
-        </p:nvSpPr>
-        <p:spPr>
-          <a:xfrm>
-            <a:off x="3273405" y="811222"/>
-            <a:ext cx="405880" cy="338554"/>
-          </a:xfrm>
-          <a:prstGeom prst="rect">
-            <a:avLst/>
-          </a:prstGeom>
-          <a:noFill/>
-        </p:spPr>
-        <p:txBody>
-          <a:bodyPr wrap="none" rtlCol="0">
-            <a:spAutoFit/>
-          </a:bodyPr>
-          <a:lstStyle/>
-          <a:p>
-            <a:r>
-              <a:rPr lang="en-US" sz="1600" b="1" dirty="0" smtClean="0">
-                <a:solidFill>
-                  <a:schemeClr val="accent2"/>
-                </a:solidFill>
-              </a:rPr>
-              <a:t>PK</a:t>
-            </a:r>
-            <a:endParaRPr lang="en-US" sz="1600" b="1" dirty="0">
-              <a:solidFill>
-                <a:schemeClr val="accent2"/>
-              </a:solidFill>
-            </a:endParaRPr>
-          </a:p>
-        </p:txBody>
-      </p:sp>
-      <p:sp>
-        <p:nvSpPr>
-          <p:cNvPr id="101" name="TextBox 100"/>
-          <p:cNvSpPr txBox="1"/>
-          <p:nvPr/>
-        </p:nvSpPr>
-        <p:spPr>
-          <a:xfrm>
-            <a:off x="5924503" y="821611"/>
-            <a:ext cx="405880" cy="338554"/>
-          </a:xfrm>
-          <a:prstGeom prst="rect">
-            <a:avLst/>
-          </a:prstGeom>
-          <a:noFill/>
-        </p:spPr>
-        <p:txBody>
-          <a:bodyPr wrap="none" rtlCol="0">
-            <a:spAutoFit/>
-          </a:bodyPr>
-          <a:lstStyle/>
-          <a:p>
-            <a:r>
-              <a:rPr lang="en-US" sz="1600" b="1" dirty="0" smtClean="0">
-                <a:solidFill>
-                  <a:schemeClr val="accent2"/>
-                </a:solidFill>
-              </a:rPr>
-              <a:t>PK</a:t>
-            </a:r>
-            <a:endParaRPr lang="en-US" sz="1600" b="1" dirty="0">
-              <a:solidFill>
-                <a:schemeClr val="accent2"/>
-              </a:solidFill>
-            </a:endParaRPr>
-          </a:p>
-        </p:txBody>
-      </p:sp>
-      <p:sp>
-        <p:nvSpPr>
-          <p:cNvPr id="102" name="TextBox 101"/>
-          <p:cNvSpPr txBox="1"/>
-          <p:nvPr/>
-        </p:nvSpPr>
-        <p:spPr>
-          <a:xfrm>
-            <a:off x="9188123" y="783421"/>
-            <a:ext cx="405880" cy="338554"/>
-          </a:xfrm>
-          <a:prstGeom prst="rect">
-            <a:avLst/>
-          </a:prstGeom>
-          <a:noFill/>
-        </p:spPr>
-        <p:txBody>
-          <a:bodyPr wrap="none" rtlCol="0">
-            <a:spAutoFit/>
-          </a:bodyPr>
-          <a:lstStyle/>
-          <a:p>
-            <a:r>
-              <a:rPr lang="en-US" sz="1600" b="1" dirty="0" smtClean="0">
-                <a:solidFill>
-                  <a:schemeClr val="accent2"/>
-                </a:solidFill>
-              </a:rPr>
-              <a:t>PK</a:t>
-            </a:r>
-            <a:endParaRPr lang="en-US" sz="1600" b="1" dirty="0">
-              <a:solidFill>
-                <a:schemeClr val="accent2"/>
-              </a:solidFill>
-            </a:endParaRPr>
-          </a:p>
-        </p:txBody>
-      </p:sp>
-      <p:sp>
-        <p:nvSpPr>
-          <p:cNvPr id="103" name="TextBox 102"/>
-          <p:cNvSpPr txBox="1"/>
-          <p:nvPr/>
-        </p:nvSpPr>
-        <p:spPr>
-          <a:xfrm>
-            <a:off x="6001050" y="4693530"/>
-            <a:ext cx="405880" cy="338554"/>
-          </a:xfrm>
-          <a:prstGeom prst="rect">
-            <a:avLst/>
-          </a:prstGeom>
-          <a:noFill/>
-        </p:spPr>
-        <p:txBody>
-          <a:bodyPr wrap="none" rtlCol="0">
-            <a:spAutoFit/>
-          </a:bodyPr>
-          <a:lstStyle/>
-          <a:p>
-            <a:r>
-              <a:rPr lang="en-US" sz="1600" b="1" dirty="0" smtClean="0">
-                <a:solidFill>
-                  <a:schemeClr val="accent2"/>
-                </a:solidFill>
-              </a:rPr>
-              <a:t>PK</a:t>
-            </a:r>
-            <a:endParaRPr lang="en-US" sz="1600" b="1" dirty="0">
-              <a:solidFill>
-                <a:schemeClr val="accent2"/>
-              </a:solidFill>
-            </a:endParaRPr>
-          </a:p>
-        </p:txBody>
-      </p:sp>
-      <p:sp>
-        <p:nvSpPr>
-          <p:cNvPr id="104" name="TextBox 103"/>
-          <p:cNvSpPr txBox="1"/>
-          <p:nvPr/>
-        </p:nvSpPr>
-        <p:spPr>
-          <a:xfrm>
-            <a:off x="936060" y="1617174"/>
-            <a:ext cx="1002069" cy="369332"/>
-          </a:xfrm>
-          <a:prstGeom prst="rect">
-            <a:avLst/>
-          </a:prstGeom>
-          <a:noFill/>
-        </p:spPr>
-        <p:txBody>
-          <a:bodyPr wrap="none" rtlCol="0">
-            <a:spAutoFit/>
-          </a:bodyPr>
-          <a:lstStyle/>
-          <a:p>
-            <a:r>
-              <a:rPr lang="en-US" dirty="0" smtClean="0"/>
-              <a:t>batch_id</a:t>
-            </a:r>
-            <a:endParaRPr lang="en-US" dirty="0"/>
-          </a:p>
-        </p:txBody>
-      </p:sp>
-      <p:sp>
-        <p:nvSpPr>
-          <p:cNvPr id="105" name="TextBox 104"/>
-          <p:cNvSpPr txBox="1"/>
-          <p:nvPr/>
-        </p:nvSpPr>
-        <p:spPr>
-          <a:xfrm>
-            <a:off x="619753" y="1623472"/>
-            <a:ext cx="391454" cy="338554"/>
-          </a:xfrm>
-          <a:prstGeom prst="rect">
-            <a:avLst/>
-          </a:prstGeom>
-          <a:noFill/>
-        </p:spPr>
-        <p:txBody>
-          <a:bodyPr wrap="none" rtlCol="0">
-            <a:spAutoFit/>
-          </a:bodyPr>
-          <a:lstStyle/>
-          <a:p>
-            <a:r>
-              <a:rPr lang="en-US" sz="1600" b="1" dirty="0" smtClean="0">
-                <a:solidFill>
-                  <a:srgbClr val="7030A0"/>
-                </a:solidFill>
-              </a:rPr>
-              <a:t>FK</a:t>
-            </a:r>
-            <a:endParaRPr lang="en-US" sz="1600" b="1" dirty="0">
-              <a:solidFill>
-                <a:srgbClr val="7030A0"/>
-              </a:solidFill>
-            </a:endParaRPr>
-          </a:p>
-        </p:txBody>
-      </p:sp>
-      <p:sp>
-        <p:nvSpPr>
-          <p:cNvPr id="106" name="TextBox 105"/>
-          <p:cNvSpPr txBox="1"/>
-          <p:nvPr/>
-        </p:nvSpPr>
-        <p:spPr>
-          <a:xfrm>
-            <a:off x="3674846" y="2113379"/>
-            <a:ext cx="915635" cy="369332"/>
-          </a:xfrm>
-          <a:prstGeom prst="rect">
-            <a:avLst/>
-          </a:prstGeom>
-          <a:noFill/>
-        </p:spPr>
-        <p:txBody>
-          <a:bodyPr wrap="none" rtlCol="0">
-            <a:spAutoFit/>
-          </a:bodyPr>
-          <a:lstStyle/>
-          <a:p>
-            <a:r>
-              <a:rPr lang="en-US" dirty="0" smtClean="0"/>
-              <a:t>class_id</a:t>
-            </a:r>
-            <a:endParaRPr lang="en-US" dirty="0"/>
-          </a:p>
-        </p:txBody>
-      </p:sp>
-      <p:sp>
-        <p:nvSpPr>
-          <p:cNvPr id="107" name="TextBox 106"/>
-          <p:cNvSpPr txBox="1"/>
-          <p:nvPr/>
-        </p:nvSpPr>
-        <p:spPr>
-          <a:xfrm>
-            <a:off x="3358539" y="2119677"/>
-            <a:ext cx="391454" cy="338554"/>
-          </a:xfrm>
-          <a:prstGeom prst="rect">
-            <a:avLst/>
-          </a:prstGeom>
-          <a:noFill/>
-        </p:spPr>
-        <p:txBody>
-          <a:bodyPr wrap="none" rtlCol="0">
-            <a:spAutoFit/>
-          </a:bodyPr>
-          <a:lstStyle/>
-          <a:p>
-            <a:r>
-              <a:rPr lang="en-US" sz="1600" b="1" dirty="0" smtClean="0">
-                <a:solidFill>
-                  <a:srgbClr val="7030A0"/>
-                </a:solidFill>
-              </a:rPr>
-              <a:t>FK</a:t>
-            </a:r>
-            <a:endParaRPr lang="en-US" sz="1600" b="1" dirty="0">
-              <a:solidFill>
-                <a:srgbClr val="7030A0"/>
-              </a:solidFill>
-            </a:endParaRPr>
-          </a:p>
-        </p:txBody>
-      </p:sp>
-      <p:sp>
-        <p:nvSpPr>
-          <p:cNvPr id="108" name="TextBox 107"/>
-          <p:cNvSpPr txBox="1"/>
-          <p:nvPr/>
-        </p:nvSpPr>
-        <p:spPr>
-          <a:xfrm>
-            <a:off x="6257853" y="1483685"/>
-            <a:ext cx="1194686" cy="369332"/>
-          </a:xfrm>
-          <a:prstGeom prst="rect">
-            <a:avLst/>
-          </a:prstGeom>
-          <a:noFill/>
-        </p:spPr>
-        <p:txBody>
-          <a:bodyPr wrap="none" rtlCol="0">
-            <a:spAutoFit/>
-          </a:bodyPr>
-          <a:lstStyle/>
-          <a:p>
-            <a:r>
-              <a:rPr lang="en-US" dirty="0" err="1" smtClean="0"/>
-              <a:t>student_id</a:t>
-            </a:r>
-            <a:endParaRPr lang="en-US" dirty="0"/>
-          </a:p>
-        </p:txBody>
-      </p:sp>
-      <p:sp>
-        <p:nvSpPr>
-          <p:cNvPr id="109" name="TextBox 108"/>
-          <p:cNvSpPr txBox="1"/>
-          <p:nvPr/>
-        </p:nvSpPr>
-        <p:spPr>
-          <a:xfrm>
-            <a:off x="5977770" y="1489361"/>
-            <a:ext cx="391454" cy="338554"/>
-          </a:xfrm>
-          <a:prstGeom prst="rect">
-            <a:avLst/>
-          </a:prstGeom>
-          <a:noFill/>
-        </p:spPr>
-        <p:txBody>
-          <a:bodyPr wrap="none" rtlCol="0">
-            <a:spAutoFit/>
-          </a:bodyPr>
-          <a:lstStyle/>
-          <a:p>
-            <a:r>
-              <a:rPr lang="en-US" sz="1600" b="1" dirty="0" smtClean="0">
-                <a:solidFill>
-                  <a:srgbClr val="7030A0"/>
-                </a:solidFill>
-              </a:rPr>
-              <a:t>FK</a:t>
-            </a:r>
-            <a:endParaRPr lang="en-US" sz="1600" b="1" dirty="0">
-              <a:solidFill>
-                <a:srgbClr val="7030A0"/>
-              </a:solidFill>
-            </a:endParaRPr>
-          </a:p>
-        </p:txBody>
-      </p:sp>
-      <p:sp>
-        <p:nvSpPr>
-          <p:cNvPr id="110" name="TextBox 109"/>
-          <p:cNvSpPr txBox="1"/>
-          <p:nvPr/>
-        </p:nvSpPr>
-        <p:spPr>
-          <a:xfrm>
-            <a:off x="6253182" y="1790609"/>
-            <a:ext cx="943848" cy="369332"/>
-          </a:xfrm>
-          <a:prstGeom prst="rect">
-            <a:avLst/>
-          </a:prstGeom>
-          <a:noFill/>
-        </p:spPr>
-        <p:txBody>
-          <a:bodyPr wrap="none" rtlCol="0">
-            <a:spAutoFit/>
-          </a:bodyPr>
-          <a:lstStyle/>
-          <a:p>
-            <a:r>
-              <a:rPr lang="en-US" dirty="0" err="1" smtClean="0"/>
-              <a:t>topic_id</a:t>
-            </a:r>
-            <a:endParaRPr lang="en-US" dirty="0"/>
-          </a:p>
-        </p:txBody>
-      </p:sp>
-      <p:sp>
-        <p:nvSpPr>
-          <p:cNvPr id="111" name="TextBox 110"/>
-          <p:cNvSpPr txBox="1"/>
-          <p:nvPr/>
-        </p:nvSpPr>
-        <p:spPr>
-          <a:xfrm>
-            <a:off x="5961902" y="1814011"/>
-            <a:ext cx="391454" cy="338554"/>
-          </a:xfrm>
-          <a:prstGeom prst="rect">
-            <a:avLst/>
-          </a:prstGeom>
-          <a:noFill/>
-        </p:spPr>
-        <p:txBody>
-          <a:bodyPr wrap="none" rtlCol="0">
-            <a:spAutoFit/>
-          </a:bodyPr>
-          <a:lstStyle/>
-          <a:p>
-            <a:r>
-              <a:rPr lang="en-US" sz="1600" b="1" dirty="0" smtClean="0">
-                <a:solidFill>
-                  <a:srgbClr val="7030A0"/>
-                </a:solidFill>
-              </a:rPr>
-              <a:t>FK</a:t>
-            </a:r>
-            <a:endParaRPr lang="en-US" sz="1600" b="1" dirty="0">
-              <a:solidFill>
-                <a:srgbClr val="7030A0"/>
-              </a:solidFill>
-            </a:endParaRPr>
-          </a:p>
-        </p:txBody>
-      </p:sp>
-      <p:sp>
-        <p:nvSpPr>
-          <p:cNvPr id="112" name="TextBox 111"/>
-          <p:cNvSpPr txBox="1"/>
-          <p:nvPr/>
-        </p:nvSpPr>
-        <p:spPr>
-          <a:xfrm>
-            <a:off x="6257853" y="2137900"/>
-            <a:ext cx="1510991" cy="369332"/>
-          </a:xfrm>
-          <a:prstGeom prst="rect">
-            <a:avLst/>
-          </a:prstGeom>
-          <a:noFill/>
-        </p:spPr>
-        <p:txBody>
-          <a:bodyPr wrap="none" rtlCol="0">
-            <a:spAutoFit/>
-          </a:bodyPr>
-          <a:lstStyle/>
-          <a:p>
-            <a:r>
-              <a:rPr lang="en-US" dirty="0" err="1" smtClean="0"/>
-              <a:t>exam_type_id</a:t>
-            </a:r>
-            <a:endParaRPr lang="en-US" dirty="0"/>
-          </a:p>
-        </p:txBody>
-      </p:sp>
-      <p:sp>
-        <p:nvSpPr>
-          <p:cNvPr id="113" name="TextBox 112"/>
-          <p:cNvSpPr txBox="1"/>
-          <p:nvPr/>
-        </p:nvSpPr>
-        <p:spPr>
-          <a:xfrm>
-            <a:off x="5953321" y="2167847"/>
-            <a:ext cx="391454" cy="338554"/>
-          </a:xfrm>
-          <a:prstGeom prst="rect">
-            <a:avLst/>
-          </a:prstGeom>
-          <a:noFill/>
-        </p:spPr>
-        <p:txBody>
-          <a:bodyPr wrap="none" rtlCol="0">
-            <a:spAutoFit/>
-          </a:bodyPr>
-          <a:lstStyle/>
-          <a:p>
-            <a:r>
-              <a:rPr lang="en-US" sz="1600" b="1" dirty="0" smtClean="0">
-                <a:solidFill>
-                  <a:srgbClr val="7030A0"/>
-                </a:solidFill>
-              </a:rPr>
-              <a:t>FK</a:t>
-            </a:r>
-            <a:endParaRPr lang="en-US" sz="1600" b="1" dirty="0">
-              <a:solidFill>
-                <a:srgbClr val="7030A0"/>
-              </a:solidFill>
-            </a:endParaRPr>
           </a:p>
         </p:txBody>
       </p:sp>
